--- a/2025_Б_ПІ_ПЗПІ-21-3_Танасійчук_В_Є.pptx
+++ b/2025_Б_ПІ_ПЗПІ-21-3_Танасійчук_В_Є.pptx
@@ -5,7 +5,7 @@
     <p:sldMasterId id="2147483659" r:id="rId1"/>
   </p:sldMasterIdLst>
   <p:notesMasterIdLst>
-    <p:notesMasterId r:id="rId14"/>
+    <p:notesMasterId r:id="rId15"/>
   </p:notesMasterIdLst>
   <p:sldIdLst>
     <p:sldId id="256" r:id="rId2"/>
@@ -13,30 +13,31 @@
     <p:sldId id="258" r:id="rId4"/>
     <p:sldId id="259" r:id="rId5"/>
     <p:sldId id="270" r:id="rId6"/>
-    <p:sldId id="261" r:id="rId7"/>
-    <p:sldId id="271" r:id="rId8"/>
-    <p:sldId id="263" r:id="rId9"/>
-    <p:sldId id="264" r:id="rId10"/>
-    <p:sldId id="268" r:id="rId11"/>
-    <p:sldId id="269" r:id="rId12"/>
-    <p:sldId id="267" r:id="rId13"/>
+    <p:sldId id="272" r:id="rId7"/>
+    <p:sldId id="261" r:id="rId8"/>
+    <p:sldId id="271" r:id="rId9"/>
+    <p:sldId id="263" r:id="rId10"/>
+    <p:sldId id="264" r:id="rId11"/>
+    <p:sldId id="268" r:id="rId12"/>
+    <p:sldId id="269" r:id="rId13"/>
+    <p:sldId id="267" r:id="rId14"/>
   </p:sldIdLst>
   <p:sldSz cx="9144000" cy="5143500" type="screen16x9"/>
   <p:notesSz cx="6858000" cy="9144000"/>
   <p:embeddedFontLst>
     <p:embeddedFont>
       <p:font typeface="Open Sans" panose="020B0604020202020204" charset="0"/>
-      <p:regular r:id="rId15"/>
-      <p:bold r:id="rId16"/>
-      <p:italic r:id="rId17"/>
-      <p:boldItalic r:id="rId18"/>
+      <p:regular r:id="rId16"/>
+      <p:bold r:id="rId17"/>
+      <p:italic r:id="rId18"/>
+      <p:boldItalic r:id="rId19"/>
     </p:embeddedFont>
     <p:embeddedFont>
       <p:font typeface="Economica" panose="020B0604020202020204" charset="0"/>
-      <p:regular r:id="rId19"/>
-      <p:bold r:id="rId20"/>
-      <p:italic r:id="rId21"/>
-      <p:boldItalic r:id="rId22"/>
+      <p:regular r:id="rId20"/>
+      <p:bold r:id="rId21"/>
+      <p:italic r:id="rId22"/>
+      <p:boldItalic r:id="rId23"/>
     </p:embeddedFont>
   </p:embeddedFontLst>
   <p:defaultTextStyle>
@@ -842,6 +843,110 @@
   <p:cSld>
     <p:spTree>
       <p:nvGrpSpPr>
+        <p:cNvPr id="1" name="Shape 116"/>
+        <p:cNvGrpSpPr/>
+        <p:nvPr/>
+      </p:nvGrpSpPr>
+      <p:grpSpPr>
+        <a:xfrm>
+          <a:off x="0" y="0"/>
+          <a:ext cx="0" cy="0"/>
+          <a:chOff x="0" y="0"/>
+          <a:chExt cx="0" cy="0"/>
+        </a:xfrm>
+      </p:grpSpPr>
+      <p:sp>
+        <p:nvSpPr>
+          <p:cNvPr id="117" name="Google Shape;117;g2e16b2adad1_0_35:notes"/>
+          <p:cNvSpPr>
+            <a:spLocks noGrp="1" noRot="1" noChangeAspect="1"/>
+          </p:cNvSpPr>
+          <p:nvPr>
+            <p:ph type="sldImg" idx="2"/>
+          </p:nvPr>
+        </p:nvSpPr>
+        <p:spPr>
+          <a:xfrm>
+            <a:off x="381000" y="685800"/>
+            <a:ext cx="6096000" cy="3429000"/>
+          </a:xfrm>
+          <a:custGeom>
+            <a:avLst/>
+            <a:gdLst/>
+            <a:ahLst/>
+            <a:cxnLst/>
+            <a:rect l="l" t="t" r="r" b="b"/>
+            <a:pathLst>
+              <a:path w="120000" h="120000" extrusionOk="0">
+                <a:moveTo>
+                  <a:pt x="0" y="0"/>
+                </a:moveTo>
+                <a:lnTo>
+                  <a:pt x="120000" y="0"/>
+                </a:lnTo>
+                <a:lnTo>
+                  <a:pt x="120000" y="120000"/>
+                </a:lnTo>
+                <a:lnTo>
+                  <a:pt x="0" y="120000"/>
+                </a:lnTo>
+                <a:close/>
+              </a:path>
+            </a:pathLst>
+          </a:custGeom>
+        </p:spPr>
+      </p:sp>
+      <p:sp>
+        <p:nvSpPr>
+          <p:cNvPr id="118" name="Google Shape;118;g2e16b2adad1_0_35:notes"/>
+          <p:cNvSpPr txBox="1">
+            <a:spLocks noGrp="1"/>
+          </p:cNvSpPr>
+          <p:nvPr>
+            <p:ph type="body" idx="1"/>
+          </p:nvPr>
+        </p:nvSpPr>
+        <p:spPr>
+          <a:xfrm>
+            <a:off x="685800" y="4343400"/>
+            <a:ext cx="5486400" cy="4114800"/>
+          </a:xfrm>
+          <a:prstGeom prst="rect">
+            <a:avLst/>
+          </a:prstGeom>
+        </p:spPr>
+        <p:txBody>
+          <a:bodyPr spcFirstLastPara="1" wrap="square" lIns="91425" tIns="91425" rIns="91425" bIns="91425" anchor="t" anchorCtr="0">
+            <a:noAutofit/>
+          </a:bodyPr>
+          <a:lstStyle/>
+          <a:p>
+            <a:pPr marL="0" lvl="0" indent="0" algn="l" rtl="0">
+              <a:spcBef>
+                <a:spcPts val="0"/>
+              </a:spcBef>
+              <a:spcAft>
+                <a:spcPts val="0"/>
+              </a:spcAft>
+              <a:buNone/>
+            </a:pPr>
+            <a:endParaRPr/>
+          </a:p>
+        </p:txBody>
+      </p:sp>
+    </p:spTree>
+  </p:cSld>
+  <p:clrMapOvr>
+    <a:masterClrMapping/>
+  </p:clrMapOvr>
+</p:notes>
+</file>
+
+<file path=ppt/notesSlides/notesSlide11.xml><?xml version="1.0" encoding="utf-8"?>
+<p:notes xmlns:a="http://schemas.openxmlformats.org/drawingml/2006/main" xmlns:r="http://schemas.openxmlformats.org/officeDocument/2006/relationships" xmlns:p="http://schemas.openxmlformats.org/presentationml/2006/main" showMasterSp="0" showMasterPhAnim="0">
+  <p:cSld>
+    <p:spTree>
+      <p:nvGrpSpPr>
         <p:cNvPr id="1" name="Shape 123"/>
         <p:cNvGrpSpPr/>
         <p:nvPr/>
@@ -941,7 +1046,7 @@
 </p:notes>
 </file>
 
-<file path=ppt/notesSlides/notesSlide11.xml><?xml version="1.0" encoding="utf-8"?>
+<file path=ppt/notesSlides/notesSlide12.xml><?xml version="1.0" encoding="utf-8"?>
 <p:notes xmlns:a="http://schemas.openxmlformats.org/drawingml/2006/main" xmlns:r="http://schemas.openxmlformats.org/officeDocument/2006/relationships" xmlns:p="http://schemas.openxmlformats.org/presentationml/2006/main" showMasterSp="0" showMasterPhAnim="0">
   <p:cSld>
     <p:spTree>
@@ -1045,7 +1150,7 @@
 </p:notes>
 </file>
 
-<file path=ppt/notesSlides/notesSlide12.xml><?xml version="1.0" encoding="utf-8"?>
+<file path=ppt/notesSlides/notesSlide13.xml><?xml version="1.0" encoding="utf-8"?>
 <p:notes xmlns:a="http://schemas.openxmlformats.org/drawingml/2006/main" xmlns:r="http://schemas.openxmlformats.org/officeDocument/2006/relationships" xmlns:p="http://schemas.openxmlformats.org/presentationml/2006/main" showMasterSp="0" showMasterPhAnim="0">
   <p:cSld>
     <p:spTree>
@@ -1575,7 +1680,7 @@
   <p:cSld>
     <p:spTree>
       <p:nvGrpSpPr>
-        <p:cNvPr id="1" name="Shape 95"/>
+        <p:cNvPr id="1" name="Shape 81"/>
         <p:cNvGrpSpPr/>
         <p:nvPr/>
       </p:nvGrpSpPr>
@@ -1589,7 +1694,7 @@
       </p:grpSpPr>
       <p:sp>
         <p:nvSpPr>
-          <p:cNvPr id="96" name="Google Shape;96;g2e16b2adad1_0_18:notes"/>
+          <p:cNvPr id="82" name="Google Shape;82;g2e16b2adad1_0_6:notes"/>
           <p:cNvSpPr>
             <a:spLocks noGrp="1" noRot="1" noChangeAspect="1"/>
           </p:cNvSpPr>
@@ -1630,7 +1735,7 @@
       </p:sp>
       <p:sp>
         <p:nvSpPr>
-          <p:cNvPr id="97" name="Google Shape;97;g2e16b2adad1_0_18:notes"/>
+          <p:cNvPr id="83" name="Google Shape;83;g2e16b2adad1_0_6:notes"/>
           <p:cNvSpPr txBox="1">
             <a:spLocks noGrp="1"/>
           </p:cNvSpPr>
@@ -1667,6 +1772,11 @@
         </p:txBody>
       </p:sp>
     </p:spTree>
+    <p:extLst>
+      <p:ext uri="{BB962C8B-B14F-4D97-AF65-F5344CB8AC3E}">
+        <p14:creationId xmlns:p14="http://schemas.microsoft.com/office/powerpoint/2010/main" val="4267320067"/>
+      </p:ext>
+    </p:extLst>
   </p:cSld>
   <p:clrMapOvr>
     <a:masterClrMapping/>
@@ -1771,6 +1881,110 @@
         </p:txBody>
       </p:sp>
     </p:spTree>
+  </p:cSld>
+  <p:clrMapOvr>
+    <a:masterClrMapping/>
+  </p:clrMapOvr>
+</p:notes>
+</file>
+
+<file path=ppt/notesSlides/notesSlide8.xml><?xml version="1.0" encoding="utf-8"?>
+<p:notes xmlns:a="http://schemas.openxmlformats.org/drawingml/2006/main" xmlns:r="http://schemas.openxmlformats.org/officeDocument/2006/relationships" xmlns:p="http://schemas.openxmlformats.org/presentationml/2006/main" showMasterSp="0" showMasterPhAnim="0">
+  <p:cSld>
+    <p:spTree>
+      <p:nvGrpSpPr>
+        <p:cNvPr id="1" name="Shape 95"/>
+        <p:cNvGrpSpPr/>
+        <p:nvPr/>
+      </p:nvGrpSpPr>
+      <p:grpSpPr>
+        <a:xfrm>
+          <a:off x="0" y="0"/>
+          <a:ext cx="0" cy="0"/>
+          <a:chOff x="0" y="0"/>
+          <a:chExt cx="0" cy="0"/>
+        </a:xfrm>
+      </p:grpSpPr>
+      <p:sp>
+        <p:nvSpPr>
+          <p:cNvPr id="96" name="Google Shape;96;g2e16b2adad1_0_18:notes"/>
+          <p:cNvSpPr>
+            <a:spLocks noGrp="1" noRot="1" noChangeAspect="1"/>
+          </p:cNvSpPr>
+          <p:nvPr>
+            <p:ph type="sldImg" idx="2"/>
+          </p:nvPr>
+        </p:nvSpPr>
+        <p:spPr>
+          <a:xfrm>
+            <a:off x="381000" y="685800"/>
+            <a:ext cx="6096000" cy="3429000"/>
+          </a:xfrm>
+          <a:custGeom>
+            <a:avLst/>
+            <a:gdLst/>
+            <a:ahLst/>
+            <a:cxnLst/>
+            <a:rect l="l" t="t" r="r" b="b"/>
+            <a:pathLst>
+              <a:path w="120000" h="120000" extrusionOk="0">
+                <a:moveTo>
+                  <a:pt x="0" y="0"/>
+                </a:moveTo>
+                <a:lnTo>
+                  <a:pt x="120000" y="0"/>
+                </a:lnTo>
+                <a:lnTo>
+                  <a:pt x="120000" y="120000"/>
+                </a:lnTo>
+                <a:lnTo>
+                  <a:pt x="0" y="120000"/>
+                </a:lnTo>
+                <a:close/>
+              </a:path>
+            </a:pathLst>
+          </a:custGeom>
+        </p:spPr>
+      </p:sp>
+      <p:sp>
+        <p:nvSpPr>
+          <p:cNvPr id="97" name="Google Shape;97;g2e16b2adad1_0_18:notes"/>
+          <p:cNvSpPr txBox="1">
+            <a:spLocks noGrp="1"/>
+          </p:cNvSpPr>
+          <p:nvPr>
+            <p:ph type="body" idx="1"/>
+          </p:nvPr>
+        </p:nvSpPr>
+        <p:spPr>
+          <a:xfrm>
+            <a:off x="685800" y="4343400"/>
+            <a:ext cx="5486400" cy="4114800"/>
+          </a:xfrm>
+          <a:prstGeom prst="rect">
+            <a:avLst/>
+          </a:prstGeom>
+        </p:spPr>
+        <p:txBody>
+          <a:bodyPr spcFirstLastPara="1" wrap="square" lIns="91425" tIns="91425" rIns="91425" bIns="91425" anchor="t" anchorCtr="0">
+            <a:noAutofit/>
+          </a:bodyPr>
+          <a:lstStyle/>
+          <a:p>
+            <a:pPr marL="0" lvl="0" indent="0" algn="l" rtl="0">
+              <a:spcBef>
+                <a:spcPts val="0"/>
+              </a:spcBef>
+              <a:spcAft>
+                <a:spcPts val="0"/>
+              </a:spcAft>
+              <a:buNone/>
+            </a:pPr>
+            <a:endParaRPr/>
+          </a:p>
+        </p:txBody>
+      </p:sp>
+    </p:spTree>
     <p:extLst>
       <p:ext uri="{BB962C8B-B14F-4D97-AF65-F5344CB8AC3E}">
         <p14:creationId xmlns:p14="http://schemas.microsoft.com/office/powerpoint/2010/main" val="1717241358"/>
@@ -1783,7 +1997,7 @@
 </p:notes>
 </file>
 
-<file path=ppt/notesSlides/notesSlide8.xml><?xml version="1.0" encoding="utf-8"?>
+<file path=ppt/notesSlides/notesSlide9.xml><?xml version="1.0" encoding="utf-8"?>
 <p:notes xmlns:a="http://schemas.openxmlformats.org/drawingml/2006/main" xmlns:r="http://schemas.openxmlformats.org/officeDocument/2006/relationships" xmlns:p="http://schemas.openxmlformats.org/presentationml/2006/main" showMasterSp="0" showMasterPhAnim="0">
   <p:cSld>
     <p:spTree>
@@ -1844,110 +2058,6 @@
       <p:sp>
         <p:nvSpPr>
           <p:cNvPr id="111" name="Google Shape;111;g2e16b2adad1_0_30:notes"/>
-          <p:cNvSpPr txBox="1">
-            <a:spLocks noGrp="1"/>
-          </p:cNvSpPr>
-          <p:nvPr>
-            <p:ph type="body" idx="1"/>
-          </p:nvPr>
-        </p:nvSpPr>
-        <p:spPr>
-          <a:xfrm>
-            <a:off x="685800" y="4343400"/>
-            <a:ext cx="5486400" cy="4114800"/>
-          </a:xfrm>
-          <a:prstGeom prst="rect">
-            <a:avLst/>
-          </a:prstGeom>
-        </p:spPr>
-        <p:txBody>
-          <a:bodyPr spcFirstLastPara="1" wrap="square" lIns="91425" tIns="91425" rIns="91425" bIns="91425" anchor="t" anchorCtr="0">
-            <a:noAutofit/>
-          </a:bodyPr>
-          <a:lstStyle/>
-          <a:p>
-            <a:pPr marL="0" lvl="0" indent="0" algn="l" rtl="0">
-              <a:spcBef>
-                <a:spcPts val="0"/>
-              </a:spcBef>
-              <a:spcAft>
-                <a:spcPts val="0"/>
-              </a:spcAft>
-              <a:buNone/>
-            </a:pPr>
-            <a:endParaRPr/>
-          </a:p>
-        </p:txBody>
-      </p:sp>
-    </p:spTree>
-  </p:cSld>
-  <p:clrMapOvr>
-    <a:masterClrMapping/>
-  </p:clrMapOvr>
-</p:notes>
-</file>
-
-<file path=ppt/notesSlides/notesSlide9.xml><?xml version="1.0" encoding="utf-8"?>
-<p:notes xmlns:a="http://schemas.openxmlformats.org/drawingml/2006/main" xmlns:r="http://schemas.openxmlformats.org/officeDocument/2006/relationships" xmlns:p="http://schemas.openxmlformats.org/presentationml/2006/main" showMasterSp="0" showMasterPhAnim="0">
-  <p:cSld>
-    <p:spTree>
-      <p:nvGrpSpPr>
-        <p:cNvPr id="1" name="Shape 116"/>
-        <p:cNvGrpSpPr/>
-        <p:nvPr/>
-      </p:nvGrpSpPr>
-      <p:grpSpPr>
-        <a:xfrm>
-          <a:off x="0" y="0"/>
-          <a:ext cx="0" cy="0"/>
-          <a:chOff x="0" y="0"/>
-          <a:chExt cx="0" cy="0"/>
-        </a:xfrm>
-      </p:grpSpPr>
-      <p:sp>
-        <p:nvSpPr>
-          <p:cNvPr id="117" name="Google Shape;117;g2e16b2adad1_0_35:notes"/>
-          <p:cNvSpPr>
-            <a:spLocks noGrp="1" noRot="1" noChangeAspect="1"/>
-          </p:cNvSpPr>
-          <p:nvPr>
-            <p:ph type="sldImg" idx="2"/>
-          </p:nvPr>
-        </p:nvSpPr>
-        <p:spPr>
-          <a:xfrm>
-            <a:off x="381000" y="685800"/>
-            <a:ext cx="6096000" cy="3429000"/>
-          </a:xfrm>
-          <a:custGeom>
-            <a:avLst/>
-            <a:gdLst/>
-            <a:ahLst/>
-            <a:cxnLst/>
-            <a:rect l="l" t="t" r="r" b="b"/>
-            <a:pathLst>
-              <a:path w="120000" h="120000" extrusionOk="0">
-                <a:moveTo>
-                  <a:pt x="0" y="0"/>
-                </a:moveTo>
-                <a:lnTo>
-                  <a:pt x="120000" y="0"/>
-                </a:lnTo>
-                <a:lnTo>
-                  <a:pt x="120000" y="120000"/>
-                </a:lnTo>
-                <a:lnTo>
-                  <a:pt x="0" y="120000"/>
-                </a:lnTo>
-                <a:close/>
-              </a:path>
-            </a:pathLst>
-          </a:custGeom>
-        </p:spPr>
-      </p:sp>
-      <p:sp>
-        <p:nvSpPr>
-          <p:cNvPr id="118" name="Google Shape;118;g2e16b2adad1_0_35:notes"/>
           <p:cNvSpPr txBox="1">
             <a:spLocks noGrp="1"/>
           </p:cNvSpPr>
@@ -2220,7 +2330,7 @@
           </a:lstStyle>
           <a:p>
             <a:r>
-              <a:rPr lang="en-US" smtClean="0"/>
+              <a:rPr lang="en-US"/>
               <a:t>Click to edit Master title style</a:t>
             </a:r>
             <a:endParaRPr/>
@@ -2434,7 +2544,7 @@
           </a:lstStyle>
           <a:p>
             <a:r>
-              <a:rPr lang="en-US" smtClean="0"/>
+              <a:rPr lang="en-US"/>
               <a:t>Click to edit Master subtitle style</a:t>
             </a:r>
             <a:endParaRPr/>
@@ -2906,7 +3016,7 @@
           <a:p>
             <a:pPr lvl="0"/>
             <a:r>
-              <a:rPr lang="en-US" smtClean="0"/>
+              <a:rPr lang="en-US"/>
               <a:t>Edit Master text styles</a:t>
             </a:r>
           </a:p>
@@ -3332,7 +3442,7 @@
           </a:lstStyle>
           <a:p>
             <a:r>
-              <a:rPr lang="en-US" smtClean="0"/>
+              <a:rPr lang="en-US"/>
               <a:t>Click to edit Master title style</a:t>
             </a:r>
             <a:endParaRPr/>
@@ -3609,7 +3719,7 @@
           </a:lstStyle>
           <a:p>
             <a:r>
-              <a:rPr lang="en-US" smtClean="0"/>
+              <a:rPr lang="en-US"/>
               <a:t>Click to edit Master title style</a:t>
             </a:r>
             <a:endParaRPr/>
@@ -3743,7 +3853,7 @@
           <a:p>
             <a:pPr lvl="0"/>
             <a:r>
-              <a:rPr lang="en-US" smtClean="0"/>
+              <a:rPr lang="en-US"/>
               <a:t>Edit Master text styles</a:t>
             </a:r>
           </a:p>
@@ -3979,7 +4089,7 @@
           </a:lstStyle>
           <a:p>
             <a:r>
-              <a:rPr lang="en-US" smtClean="0"/>
+              <a:rPr lang="en-US"/>
               <a:t>Click to edit Master title style</a:t>
             </a:r>
             <a:endParaRPr/>
@@ -4113,7 +4223,7 @@
           <a:p>
             <a:pPr lvl="0"/>
             <a:r>
-              <a:rPr lang="en-US" smtClean="0"/>
+              <a:rPr lang="en-US"/>
               <a:t>Edit Master text styles</a:t>
             </a:r>
           </a:p>
@@ -4246,7 +4356,7 @@
           <a:p>
             <a:pPr lvl="0"/>
             <a:r>
-              <a:rPr lang="en-US" smtClean="0"/>
+              <a:rPr lang="en-US"/>
               <a:t>Edit Master text styles</a:t>
             </a:r>
           </a:p>
@@ -4482,7 +4592,7 @@
           </a:lstStyle>
           <a:p>
             <a:r>
-              <a:rPr lang="en-US" smtClean="0"/>
+              <a:rPr lang="en-US"/>
               <a:t>Click to edit Master title style</a:t>
             </a:r>
             <a:endParaRPr/>
@@ -4719,7 +4829,7 @@
           </a:lstStyle>
           <a:p>
             <a:r>
-              <a:rPr lang="en-US" smtClean="0"/>
+              <a:rPr lang="en-US"/>
               <a:t>Click to edit Master title style</a:t>
             </a:r>
             <a:endParaRPr/>
@@ -4853,7 +4963,7 @@
           <a:p>
             <a:pPr lvl="0"/>
             <a:r>
-              <a:rPr lang="en-US" smtClean="0"/>
+              <a:rPr lang="en-US"/>
               <a:t>Edit Master text styles</a:t>
             </a:r>
           </a:p>
@@ -5129,7 +5239,7 @@
           </a:lstStyle>
           <a:p>
             <a:r>
-              <a:rPr lang="en-US" smtClean="0"/>
+              <a:rPr lang="en-US"/>
               <a:t>Click to edit Master title style</a:t>
             </a:r>
             <a:endParaRPr/>
@@ -5495,7 +5605,7 @@
           </a:lstStyle>
           <a:p>
             <a:r>
-              <a:rPr lang="en-US" smtClean="0"/>
+              <a:rPr lang="en-US"/>
               <a:t>Click to edit Master title style</a:t>
             </a:r>
             <a:endParaRPr/>
@@ -5709,7 +5819,7 @@
           </a:lstStyle>
           <a:p>
             <a:r>
-              <a:rPr lang="en-US" smtClean="0"/>
+              <a:rPr lang="en-US"/>
               <a:t>Click to edit Master subtitle style</a:t>
             </a:r>
             <a:endParaRPr/>
@@ -5906,7 +6016,7 @@
           <a:p>
             <a:pPr lvl="0"/>
             <a:r>
-              <a:rPr lang="en-US" smtClean="0"/>
+              <a:rPr lang="en-US"/>
               <a:t>Edit Master text styles</a:t>
             </a:r>
           </a:p>
@@ -6100,7 +6210,7 @@
           <a:p>
             <a:pPr lvl="0"/>
             <a:r>
-              <a:rPr lang="en-US" smtClean="0"/>
+              <a:rPr lang="en-US"/>
               <a:t>Edit Master text styles</a:t>
             </a:r>
           </a:p>
@@ -7636,7 +7746,7 @@
             <a:pPr lvl="0" algn="l"/>
             <a:r>
               <a:rPr lang="uk-UA" sz="1800" dirty="0"/>
-              <a:t>Програмна рекомендаційна система для персоналізованого вибору туристичних локацій на основі вподобань користувача. Рекомендаційна підсистема</a:t>
+              <a:t>Програмна рекомендаційна система для персоналізованого вибору туристичних локацій на основі уподобань користувача. Рекомендаційна підсистема</a:t>
             </a:r>
             <a:endParaRPr sz="1800" dirty="0"/>
           </a:p>
@@ -7689,7 +7799,7 @@
               <a:buNone/>
             </a:pPr>
             <a:r>
-              <a:rPr lang="uk" dirty="0" smtClean="0"/>
+              <a:rPr lang="uk" dirty="0"/>
               <a:t>Танасійчук В.Є, ПЗПІ-21-3</a:t>
             </a:r>
             <a:endParaRPr dirty="0"/>
@@ -7697,24 +7807,12 @@
           <a:p>
             <a:pPr marL="0" lvl="0" indent="0" algn="l"/>
             <a:r>
-              <a:rPr lang="uk" dirty="0" smtClean="0"/>
-              <a:t>Керівник</a:t>
-            </a:r>
-            <a:r>
               <a:rPr lang="uk" dirty="0"/>
-              <a:t>: </a:t>
-            </a:r>
-            <a:r>
-              <a:rPr lang="uk" dirty="0" smtClean="0"/>
-              <a:t>      </a:t>
-            </a:r>
-            <a:r>
-              <a:rPr lang="uk-UA" dirty="0" smtClean="0"/>
-              <a:t>ст</a:t>
+              <a:t>Керівник:       </a:t>
             </a:r>
             <a:r>
               <a:rPr lang="uk-UA" dirty="0"/>
-              <a:t>. </a:t>
+              <a:t>ст. </a:t>
             </a:r>
             <a:r>
               <a:rPr lang="uk-UA" dirty="0" err="1"/>
@@ -7725,7 +7823,7 @@
               <a:t> </a:t>
             </a:r>
             <a:r>
-              <a:rPr lang="uk" dirty="0" smtClean="0"/>
+              <a:rPr lang="uk" dirty="0"/>
               <a:t> Широкопетлєва М.С</a:t>
             </a:r>
             <a:endParaRPr dirty="0"/>
@@ -7765,16 +7863,8 @@
               <a:buNone/>
             </a:pPr>
             <a:r>
-              <a:rPr lang="uk" dirty="0" smtClean="0"/>
-              <a:t>13 </a:t>
-            </a:r>
-            <a:r>
               <a:rPr lang="uk" dirty="0"/>
-              <a:t>червня </a:t>
-            </a:r>
-            <a:r>
-              <a:rPr lang="uk" dirty="0" smtClean="0"/>
-              <a:t>2025</a:t>
+              <a:t>13 червня 2025</a:t>
             </a:r>
             <a:endParaRPr dirty="0"/>
           </a:p>
@@ -7869,17 +7959,261 @@
   <p:clrMapOvr>
     <a:masterClrMapping/>
   </p:clrMapOvr>
-  <p:timing>
-    <p:tnLst>
-      <p:par>
-        <p:cTn id="1" dur="indefinite" restart="never" nodeType="tmRoot"/>
-      </p:par>
-    </p:tnLst>
-  </p:timing>
 </p:sld>
 </file>
 
 <file path=ppt/slides/slide10.xml><?xml version="1.0" encoding="utf-8"?>
+<p:sld xmlns:a="http://schemas.openxmlformats.org/drawingml/2006/main" xmlns:r="http://schemas.openxmlformats.org/officeDocument/2006/relationships" xmlns:p="http://schemas.openxmlformats.org/presentationml/2006/main">
+  <p:cSld>
+    <p:spTree>
+      <p:nvGrpSpPr>
+        <p:cNvPr id="1" name="Shape 119"/>
+        <p:cNvGrpSpPr/>
+        <p:nvPr/>
+      </p:nvGrpSpPr>
+      <p:grpSpPr>
+        <a:xfrm>
+          <a:off x="0" y="0"/>
+          <a:ext cx="0" cy="0"/>
+          <a:chOff x="0" y="0"/>
+          <a:chExt cx="0" cy="0"/>
+        </a:xfrm>
+      </p:grpSpPr>
+      <p:sp>
+        <p:nvSpPr>
+          <p:cNvPr id="120" name="Google Shape;120;p21"/>
+          <p:cNvSpPr txBox="1">
+            <a:spLocks noGrp="1"/>
+          </p:cNvSpPr>
+          <p:nvPr>
+            <p:ph type="title"/>
+          </p:nvPr>
+        </p:nvSpPr>
+        <p:spPr>
+          <a:xfrm>
+            <a:off x="268925" y="-152998"/>
+            <a:ext cx="8520600" cy="831300"/>
+          </a:xfrm>
+          <a:prstGeom prst="rect">
+            <a:avLst/>
+          </a:prstGeom>
+        </p:spPr>
+        <p:txBody>
+          <a:bodyPr spcFirstLastPara="1" wrap="square" lIns="91425" tIns="91425" rIns="91425" bIns="91425" anchor="b" anchorCtr="0">
+            <a:normAutofit/>
+          </a:bodyPr>
+          <a:lstStyle/>
+          <a:p>
+            <a:pPr marL="0" lvl="0" indent="0" algn="l" rtl="0">
+              <a:spcBef>
+                <a:spcPts val="0"/>
+              </a:spcBef>
+              <a:spcAft>
+                <a:spcPts val="0"/>
+              </a:spcAft>
+              <a:buNone/>
+            </a:pPr>
+            <a:r>
+              <a:rPr lang="uk" sz="3200" dirty="0"/>
+              <a:t>Приклад реалізації</a:t>
+            </a:r>
+            <a:endParaRPr sz="3200" dirty="0"/>
+          </a:p>
+        </p:txBody>
+      </p:sp>
+      <p:pic>
+        <p:nvPicPr>
+          <p:cNvPr id="122" name="Google Shape;122;p21"/>
+          <p:cNvPicPr preferRelativeResize="0"/>
+          <p:nvPr/>
+        </p:nvPicPr>
+        <p:blipFill>
+          <a:blip r:embed="rId3">
+            <a:alphaModFix/>
+          </a:blip>
+          <a:stretch>
+            <a:fillRect/>
+          </a:stretch>
+        </p:blipFill>
+        <p:spPr>
+          <a:xfrm>
+            <a:off x="268925" y="4359500"/>
+            <a:ext cx="862250" cy="581750"/>
+          </a:xfrm>
+          <a:prstGeom prst="rect">
+            <a:avLst/>
+          </a:prstGeom>
+          <a:noFill/>
+          <a:ln>
+            <a:noFill/>
+          </a:ln>
+        </p:spPr>
+      </p:pic>
+      <p:sp>
+        <p:nvSpPr>
+          <p:cNvPr id="2" name="TextBox 1">
+            <a:extLst>
+              <a:ext uri="{FF2B5EF4-FFF2-40B4-BE49-F238E27FC236}">
+                <a16:creationId xmlns:a16="http://schemas.microsoft.com/office/drawing/2014/main" id="{68800C66-AABB-EFA8-12F4-0C56A1243712}"/>
+              </a:ext>
+            </a:extLst>
+          </p:cNvPr>
+          <p:cNvSpPr txBox="1"/>
+          <p:nvPr/>
+        </p:nvSpPr>
+        <p:spPr>
+          <a:xfrm>
+            <a:off x="8778240" y="4606349"/>
+            <a:ext cx="284052" cy="307777"/>
+          </a:xfrm>
+          <a:prstGeom prst="rect">
+            <a:avLst/>
+          </a:prstGeom>
+          <a:noFill/>
+        </p:spPr>
+        <p:txBody>
+          <a:bodyPr wrap="none" rtlCol="0">
+            <a:spAutoFit/>
+          </a:bodyPr>
+          <a:lstStyle/>
+          <a:p>
+            <a:fld id="{A35EEF41-5B9E-4186-8855-3C8162DCC2D6}" type="slidenum">
+              <a:rPr lang="uk-UA" smtClean="0"/>
+              <a:t>10</a:t>
+            </a:fld>
+            <a:endParaRPr lang="uk-UA" dirty="0"/>
+          </a:p>
+        </p:txBody>
+      </p:sp>
+      <p:pic>
+        <p:nvPicPr>
+          <p:cNvPr id="3" name="Picture 2"/>
+          <p:cNvPicPr>
+            <a:picLocks noChangeAspect="1"/>
+          </p:cNvPicPr>
+          <p:nvPr/>
+        </p:nvPicPr>
+        <p:blipFill>
+          <a:blip r:embed="rId4"/>
+          <a:stretch>
+            <a:fillRect/>
+          </a:stretch>
+        </p:blipFill>
+        <p:spPr>
+          <a:xfrm>
+            <a:off x="375605" y="1225225"/>
+            <a:ext cx="3767108" cy="2628424"/>
+          </a:xfrm>
+          <a:prstGeom prst="rect">
+            <a:avLst/>
+          </a:prstGeom>
+        </p:spPr>
+      </p:pic>
+      <p:pic>
+        <p:nvPicPr>
+          <p:cNvPr id="4" name="Picture 3"/>
+          <p:cNvPicPr>
+            <a:picLocks noChangeAspect="1"/>
+          </p:cNvPicPr>
+          <p:nvPr/>
+        </p:nvPicPr>
+        <p:blipFill>
+          <a:blip r:embed="rId5"/>
+          <a:stretch>
+            <a:fillRect/>
+          </a:stretch>
+        </p:blipFill>
+        <p:spPr>
+          <a:xfrm>
+            <a:off x="4479654" y="1880968"/>
+            <a:ext cx="4440612" cy="1275866"/>
+          </a:xfrm>
+          <a:prstGeom prst="rect">
+            <a:avLst/>
+          </a:prstGeom>
+        </p:spPr>
+      </p:pic>
+      <p:sp>
+        <p:nvSpPr>
+          <p:cNvPr id="5" name="TextBox 4"/>
+          <p:cNvSpPr txBox="1"/>
+          <p:nvPr/>
+        </p:nvSpPr>
+        <p:spPr>
+          <a:xfrm>
+            <a:off x="927558" y="3952686"/>
+            <a:ext cx="2519533" cy="307777"/>
+          </a:xfrm>
+          <a:prstGeom prst="rect">
+            <a:avLst/>
+          </a:prstGeom>
+          <a:noFill/>
+        </p:spPr>
+        <p:txBody>
+          <a:bodyPr wrap="square" rtlCol="0">
+            <a:spAutoFit/>
+          </a:bodyPr>
+          <a:lstStyle/>
+          <a:p>
+            <a:r>
+              <a:rPr lang="uk-UA" dirty="0"/>
+              <a:t>Алгоритм рекомендацій</a:t>
+            </a:r>
+            <a:endParaRPr lang="en-US" dirty="0"/>
+          </a:p>
+        </p:txBody>
+      </p:sp>
+      <p:sp>
+        <p:nvSpPr>
+          <p:cNvPr id="7" name="Rectangle 6"/>
+          <p:cNvSpPr/>
+          <p:nvPr/>
+        </p:nvSpPr>
+        <p:spPr>
+          <a:xfrm>
+            <a:off x="5687971" y="3273056"/>
+            <a:ext cx="2276585" cy="523220"/>
+          </a:xfrm>
+          <a:prstGeom prst="rect">
+            <a:avLst/>
+          </a:prstGeom>
+        </p:spPr>
+        <p:txBody>
+          <a:bodyPr wrap="none">
+            <a:spAutoFit/>
+          </a:bodyPr>
+          <a:lstStyle/>
+          <a:p>
+            <a:pPr algn="ctr"/>
+            <a:r>
+              <a:rPr lang="uk-UA" dirty="0"/>
+              <a:t>Формула </a:t>
+            </a:r>
+            <a:r>
+              <a:rPr lang="uk-UA" dirty="0" err="1"/>
+              <a:t>Гаверсина</a:t>
+            </a:r>
+            <a:endParaRPr lang="uk-UA" dirty="0"/>
+          </a:p>
+          <a:p>
+            <a:pPr algn="ctr"/>
+            <a:r>
+              <a:rPr lang="uk-UA" dirty="0"/>
+              <a:t>для обчислення відстані</a:t>
+            </a:r>
+            <a:endParaRPr lang="en-US" dirty="0"/>
+          </a:p>
+        </p:txBody>
+      </p:sp>
+    </p:spTree>
+  </p:cSld>
+  <p:clrMapOvr>
+    <a:masterClrMapping/>
+  </p:clrMapOvr>
+</p:sld>
+</file>
+
+<file path=ppt/slides/slide11.xml><?xml version="1.0" encoding="utf-8"?>
 <p:sld xmlns:a="http://schemas.openxmlformats.org/drawingml/2006/main" xmlns:r="http://schemas.openxmlformats.org/officeDocument/2006/relationships" xmlns:p="http://schemas.openxmlformats.org/presentationml/2006/main">
   <p:cSld>
     <p:spTree>
@@ -7931,7 +8265,7 @@
               <a:buNone/>
             </a:pPr>
             <a:r>
-              <a:rPr lang="uk" sz="3200" dirty="0" smtClean="0"/>
+              <a:rPr lang="uk" sz="3200" dirty="0"/>
               <a:t>Тестування</a:t>
             </a:r>
             <a:endParaRPr sz="3200" dirty="0"/>
@@ -7972,22 +8306,14 @@
             </a:r>
             <a:r>
               <a:rPr lang="en-US" dirty="0"/>
-              <a:t>Unit </a:t>
-            </a:r>
-            <a:r>
-              <a:rPr lang="en-US" dirty="0" smtClean="0"/>
-              <a:t>Tests): </a:t>
+              <a:t>Unit Tests): </a:t>
             </a:r>
             <a:r>
               <a:rPr lang="ru-RU" dirty="0" err="1"/>
-              <a:t>п</a:t>
-            </a:r>
-            <a:r>
-              <a:rPr lang="ru-RU" dirty="0" err="1" smtClean="0"/>
-              <a:t>еревірка</a:t>
-            </a:r>
-            <a:r>
-              <a:rPr lang="ru-RU" dirty="0" smtClean="0"/>
+              <a:t>перевірка</a:t>
+            </a:r>
+            <a:r>
+              <a:rPr lang="ru-RU" dirty="0"/>
               <a:t> </a:t>
             </a:r>
             <a:r>
@@ -8039,14 +8365,14 @@
               <a:t> та </a:t>
             </a:r>
             <a:r>
-              <a:rPr lang="ru-RU" dirty="0" err="1" smtClean="0"/>
+              <a:rPr lang="ru-RU" dirty="0" err="1"/>
               <a:t>сервісі</a:t>
             </a:r>
             <a:r>
-              <a:rPr lang="uk-UA" dirty="0" smtClean="0"/>
+              <a:rPr lang="uk-UA" dirty="0"/>
               <a:t>в</a:t>
             </a:r>
-            <a:endParaRPr lang="en-US" dirty="0" smtClean="0"/>
+            <a:endParaRPr lang="en-US" dirty="0"/>
           </a:p>
           <a:p>
             <a:pPr marL="0" lvl="0" indent="0">
@@ -8081,35 +8407,27 @@
               <a:t>H</a:t>
             </a:r>
             <a:r>
-              <a:rPr lang="uk-UA" dirty="0" err="1" smtClean="0"/>
+              <a:rPr lang="uk-UA" dirty="0" err="1"/>
               <a:t>аскрізне</a:t>
             </a:r>
             <a:r>
-              <a:rPr lang="uk-UA" dirty="0" smtClean="0"/>
-              <a:t> </a:t>
-            </a:r>
-            <a:r>
               <a:rPr lang="uk-UA" dirty="0"/>
-              <a:t>тестування (</a:t>
+              <a:t> тестування (</a:t>
             </a:r>
             <a:r>
               <a:rPr lang="en-US" dirty="0"/>
-              <a:t>End-to-End </a:t>
-            </a:r>
-            <a:r>
-              <a:rPr lang="en-US" dirty="0" smtClean="0"/>
-              <a:t>Tests)</a:t>
-            </a:r>
-            <a:r>
-              <a:rPr lang="uk-UA" dirty="0" smtClean="0"/>
+              <a:t>End-to-End Tests)</a:t>
+            </a:r>
+            <a:r>
+              <a:rPr lang="uk-UA" dirty="0"/>
               <a:t>: </a:t>
             </a:r>
             <a:r>
-              <a:rPr lang="ru-RU" dirty="0" err="1" smtClean="0"/>
+              <a:rPr lang="ru-RU" dirty="0" err="1"/>
               <a:t>перевірка</a:t>
             </a:r>
             <a:r>
-              <a:rPr lang="ru-RU" dirty="0" smtClean="0"/>
+              <a:rPr lang="ru-RU" dirty="0"/>
               <a:t> </a:t>
             </a:r>
             <a:r>
@@ -8226,7 +8544,7 @@
           <a:p>
             <a:fld id="{A35EEF41-5B9E-4186-8855-3C8162DCC2D6}" type="slidenum">
               <a:rPr lang="uk-UA" smtClean="0"/>
-              <a:t>10</a:t>
+              <a:t>11</a:t>
             </a:fld>
             <a:endParaRPr lang="uk-UA" dirty="0"/>
           </a:p>
@@ -8286,17 +8604,10 @@
   <p:clrMapOvr>
     <a:masterClrMapping/>
   </p:clrMapOvr>
-  <p:timing>
-    <p:tnLst>
-      <p:par>
-        <p:cTn id="1" dur="indefinite" restart="never" nodeType="tmRoot"/>
-      </p:par>
-    </p:tnLst>
-  </p:timing>
 </p:sld>
 </file>
 
-<file path=ppt/slides/slide11.xml><?xml version="1.0" encoding="utf-8"?>
+<file path=ppt/slides/slide12.xml><?xml version="1.0" encoding="utf-8"?>
 <p:sld xmlns:a="http://schemas.openxmlformats.org/drawingml/2006/main" xmlns:r="http://schemas.openxmlformats.org/officeDocument/2006/relationships" xmlns:p="http://schemas.openxmlformats.org/presentationml/2006/main">
   <p:cSld>
     <p:spTree>
@@ -8348,7 +8659,7 @@
               <a:buNone/>
             </a:pPr>
             <a:r>
-              <a:rPr lang="uk" sz="3200" dirty="0" smtClean="0"/>
+              <a:rPr lang="uk" sz="3200" dirty="0"/>
               <a:t>Публікація результатів </a:t>
             </a:r>
             <a:endParaRPr sz="3200" dirty="0"/>
@@ -8477,7 +8788,7 @@
           <a:p>
             <a:fld id="{A35EEF41-5B9E-4186-8855-3C8162DCC2D6}" type="slidenum">
               <a:rPr lang="uk-UA" smtClean="0"/>
-              <a:t>11</a:t>
+              <a:t>12</a:t>
             </a:fld>
             <a:endParaRPr lang="uk-UA" dirty="0"/>
           </a:p>
@@ -8537,17 +8848,10 @@
   <p:clrMapOvr>
     <a:masterClrMapping/>
   </p:clrMapOvr>
-  <p:timing>
-    <p:tnLst>
-      <p:par>
-        <p:cTn id="1" dur="indefinite" restart="never" nodeType="tmRoot"/>
-      </p:par>
-    </p:tnLst>
-  </p:timing>
 </p:sld>
 </file>
 
-<file path=ppt/slides/slide12.xml><?xml version="1.0" encoding="utf-8"?>
+<file path=ppt/slides/slide13.xml><?xml version="1.0" encoding="utf-8"?>
 <p:sld xmlns:a="http://schemas.openxmlformats.org/drawingml/2006/main" xmlns:r="http://schemas.openxmlformats.org/officeDocument/2006/relationships" xmlns:p="http://schemas.openxmlformats.org/presentationml/2006/main">
   <p:cSld>
     <p:spTree>
@@ -8618,7 +8922,7 @@
         </p:nvSpPr>
         <p:spPr>
           <a:xfrm>
-            <a:off x="6051672" y="1005500"/>
+            <a:off x="6051672" y="1003822"/>
             <a:ext cx="3010620" cy="3354000"/>
           </a:xfrm>
           <a:prstGeom prst="rect">
@@ -8655,28 +8959,20 @@
           </a:p>
           <a:p>
             <a:r>
-              <a:rPr lang="uk-UA" sz="1100" dirty="0" smtClean="0"/>
+              <a:rPr lang="uk-UA" sz="1100" dirty="0"/>
+              <a:t>Вдосконалення аналітики зворотного зв'язку.</a:t>
+            </a:r>
+          </a:p>
+          <a:p>
+            <a:r>
+              <a:rPr lang="uk-UA" sz="1100" dirty="0"/>
               <a:t>Інтеграція з додатковими джерелами даних (соціальні мережі, погодні дані, календар подій).</a:t>
             </a:r>
           </a:p>
           <a:p>
             <a:r>
-              <a:rPr lang="uk-UA" sz="1100" dirty="0" smtClean="0"/>
-              <a:t>Розширення </a:t>
-            </a:r>
-            <a:r>
               <a:rPr lang="uk-UA" sz="1100" dirty="0"/>
-              <a:t>функціоналу (рекомендації маршрутів, планування подорожей).</a:t>
-            </a:r>
-          </a:p>
-          <a:p>
-            <a:r>
-              <a:rPr lang="uk-UA" sz="1100" dirty="0" smtClean="0"/>
-              <a:t>Вдосконалення аналітики </a:t>
-            </a:r>
-            <a:r>
-              <a:rPr lang="uk-UA" sz="1100" dirty="0"/>
-              <a:t>зворотного зв'язку.</a:t>
+              <a:t>Розширення функціоналу (рекомендації маршрутів, планування подорожей).</a:t>
             </a:r>
           </a:p>
         </p:txBody>
@@ -8739,7 +9035,7 @@
           <a:p>
             <a:fld id="{A35EEF41-5B9E-4186-8855-3C8162DCC2D6}" type="slidenum">
               <a:rPr lang="uk-UA" smtClean="0"/>
-              <a:t>12</a:t>
+              <a:t>13</a:t>
             </a:fld>
             <a:endParaRPr lang="uk-UA" dirty="0"/>
           </a:p>
@@ -9023,35 +9319,21 @@
             </a:pPr>
             <a:r>
               <a:rPr lang="uk-UA" sz="1100" dirty="0"/>
-              <a:t>Можливості використання</a:t>
-            </a:r>
-            <a:r>
-              <a:rPr lang="uk-UA" sz="1100" dirty="0" smtClean="0"/>
-              <a:t>:</a:t>
-            </a:r>
-          </a:p>
-          <a:p>
-            <a:r>
-              <a:rPr lang="uk-UA" sz="1100" dirty="0" smtClean="0"/>
-              <a:t>Користувач може користуватись системою через браузер з будь-якого пристрою.</a:t>
-            </a:r>
-          </a:p>
-          <a:p>
-            <a:r>
-              <a:rPr lang="uk-UA" sz="1100" dirty="0" smtClean="0"/>
+              <a:t>Можливості використання:</a:t>
+            </a:r>
+          </a:p>
+          <a:p>
+            <a:r>
+              <a:rPr lang="uk-UA" sz="1100" dirty="0"/>
               <a:t>Рекомендаційна підсистема </a:t>
             </a:r>
             <a:r>
-              <a:rPr lang="ru-RU" sz="1100" dirty="0" err="1" smtClean="0"/>
+              <a:rPr lang="ru-RU" sz="1100" dirty="0" err="1"/>
               <a:t>може</a:t>
             </a:r>
             <a:r>
-              <a:rPr lang="ru-RU" sz="1100" dirty="0" smtClean="0"/>
-              <a:t> </a:t>
-            </a:r>
-            <a:r>
               <a:rPr lang="ru-RU" sz="1100" dirty="0"/>
-              <a:t>бути </a:t>
+              <a:t> бути </a:t>
             </a:r>
             <a:r>
               <a:rPr lang="ru-RU" sz="1100" dirty="0" err="1"/>
@@ -9078,21 +9360,21 @@
               <a:t> </a:t>
             </a:r>
             <a:r>
-              <a:rPr lang="ru-RU" sz="1100" dirty="0" err="1" smtClean="0"/>
+              <a:rPr lang="ru-RU" sz="1100" dirty="0" err="1"/>
               <a:t>платформи</a:t>
             </a:r>
             <a:r>
-              <a:rPr lang="uk-UA" sz="1100" dirty="0" smtClean="0"/>
+              <a:rPr lang="uk-UA" sz="1100" dirty="0"/>
               <a:t>.</a:t>
             </a:r>
           </a:p>
           <a:p>
             <a:r>
-              <a:rPr lang="ru-RU" sz="1100" dirty="0" err="1" smtClean="0"/>
+              <a:rPr lang="ru-RU" sz="1100" dirty="0" err="1"/>
               <a:t>Розроблений</a:t>
             </a:r>
             <a:r>
-              <a:rPr lang="ru-RU" sz="1100" dirty="0" smtClean="0"/>
+              <a:rPr lang="ru-RU" sz="1100" dirty="0"/>
               <a:t> </a:t>
             </a:r>
             <a:r>
@@ -9505,7 +9787,141 @@
             </a:pPr>
             <a:r>
               <a:rPr lang="ru-RU" dirty="0" err="1"/>
-              <a:t>Реалістичність</a:t>
+              <a:t>Було</a:t>
+            </a:r>
+            <a:r>
+              <a:rPr lang="ru-RU" dirty="0"/>
+              <a:t> </a:t>
+            </a:r>
+            <a:r>
+              <a:rPr lang="ru-RU" dirty="0" err="1"/>
+              <a:t>розроблено</a:t>
+            </a:r>
+            <a:endParaRPr lang="ru-RU" dirty="0"/>
+          </a:p>
+          <a:p>
+            <a:r>
+              <a:rPr lang="uk-UA" dirty="0">
+                <a:latin typeface="Open Sans" panose="020B0606030504020204" pitchFamily="34" charset="0"/>
+                <a:ea typeface="Open Sans" panose="020B0606030504020204" pitchFamily="34" charset="0"/>
+                <a:cs typeface="Open Sans" panose="020B0606030504020204" pitchFamily="34" charset="0"/>
+              </a:rPr>
+              <a:t>Веб-застосунок з модульною </a:t>
+            </a:r>
+            <a:r>
+              <a:rPr lang="uk-UA" dirty="0" err="1">
+                <a:latin typeface="Open Sans" panose="020B0606030504020204" pitchFamily="34" charset="0"/>
+                <a:ea typeface="Open Sans" panose="020B0606030504020204" pitchFamily="34" charset="0"/>
+                <a:cs typeface="Open Sans" panose="020B0606030504020204" pitchFamily="34" charset="0"/>
+              </a:rPr>
+              <a:t>мікросервісною</a:t>
+            </a:r>
+            <a:r>
+              <a:rPr lang="uk-UA" dirty="0">
+                <a:latin typeface="Open Sans" panose="020B0606030504020204" pitchFamily="34" charset="0"/>
+                <a:ea typeface="Open Sans" panose="020B0606030504020204" pitchFamily="34" charset="0"/>
+                <a:cs typeface="Open Sans" panose="020B0606030504020204" pitchFamily="34" charset="0"/>
+              </a:rPr>
+              <a:t> архітектурою — персоналізовані туристичні рекомендації на основі вподобань та </a:t>
+            </a:r>
+            <a:r>
+              <a:rPr lang="uk-UA" dirty="0" err="1">
+                <a:latin typeface="Open Sans" panose="020B0606030504020204" pitchFamily="34" charset="0"/>
+                <a:ea typeface="Open Sans" panose="020B0606030504020204" pitchFamily="34" charset="0"/>
+                <a:cs typeface="Open Sans" panose="020B0606030504020204" pitchFamily="34" charset="0"/>
+              </a:rPr>
+              <a:t>геолокації</a:t>
+            </a:r>
+            <a:r>
+              <a:rPr lang="uk-UA" dirty="0">
+                <a:latin typeface="Open Sans" panose="020B0606030504020204" pitchFamily="34" charset="0"/>
+                <a:ea typeface="Open Sans" panose="020B0606030504020204" pitchFamily="34" charset="0"/>
+                <a:cs typeface="Open Sans" panose="020B0606030504020204" pitchFamily="34" charset="0"/>
+              </a:rPr>
+              <a:t>, використовуючи </a:t>
+            </a:r>
+            <a:r>
+              <a:rPr lang="en-US" dirty="0">
+                <a:latin typeface="Open Sans" panose="020B0606030504020204" pitchFamily="34" charset="0"/>
+                <a:ea typeface="Open Sans" panose="020B0606030504020204" pitchFamily="34" charset="0"/>
+                <a:cs typeface="Open Sans" panose="020B0606030504020204" pitchFamily="34" charset="0"/>
+              </a:rPr>
+              <a:t>React, ASP.NET, </a:t>
+            </a:r>
+            <a:r>
+              <a:rPr lang="en-US" dirty="0" err="1">
+                <a:latin typeface="Open Sans" panose="020B0606030504020204" pitchFamily="34" charset="0"/>
+                <a:ea typeface="Open Sans" panose="020B0606030504020204" pitchFamily="34" charset="0"/>
+                <a:cs typeface="Open Sans" panose="020B0606030504020204" pitchFamily="34" charset="0"/>
+              </a:rPr>
+              <a:t>FastAPI</a:t>
+            </a:r>
+            <a:r>
+              <a:rPr lang="en-US" dirty="0">
+                <a:latin typeface="Open Sans" panose="020B0606030504020204" pitchFamily="34" charset="0"/>
+                <a:ea typeface="Open Sans" panose="020B0606030504020204" pitchFamily="34" charset="0"/>
+                <a:cs typeface="Open Sans" panose="020B0606030504020204" pitchFamily="34" charset="0"/>
+              </a:rPr>
+              <a:t> </a:t>
+            </a:r>
+            <a:r>
+              <a:rPr lang="uk-UA" dirty="0">
+                <a:latin typeface="Open Sans" panose="020B0606030504020204" pitchFamily="34" charset="0"/>
+                <a:ea typeface="Open Sans" panose="020B0606030504020204" pitchFamily="34" charset="0"/>
+                <a:cs typeface="Open Sans" panose="020B0606030504020204" pitchFamily="34" charset="0"/>
+              </a:rPr>
+              <a:t>та </a:t>
+            </a:r>
+            <a:r>
+              <a:rPr lang="ru-RU" dirty="0" err="1"/>
+              <a:t>рекомендаційна</a:t>
+            </a:r>
+            <a:r>
+              <a:rPr lang="ru-RU" dirty="0"/>
+              <a:t> </a:t>
+            </a:r>
+            <a:r>
+              <a:rPr lang="ru-RU" dirty="0" err="1"/>
+              <a:t>підсистему</a:t>
+            </a:r>
+            <a:r>
+              <a:rPr lang="ru-RU" dirty="0"/>
+              <a:t>, яка </a:t>
+            </a:r>
+            <a:r>
+              <a:rPr lang="uk-UA" dirty="0"/>
+              <a:t>поєднує географічну близькість, типологічну схожість та рейтинги, а також інтегрує механізм перевірки достовірності відгуків, що забезпечує високу якість та надійність рекомендацій.</a:t>
+            </a:r>
+            <a:endParaRPr lang="ru-RU" dirty="0"/>
+          </a:p>
+          <a:p>
+            <a:r>
+              <a:rPr lang="ru-RU" dirty="0" err="1"/>
+              <a:t>Проведене</a:t>
+            </a:r>
+            <a:r>
+              <a:rPr lang="ru-RU" dirty="0"/>
+              <a:t> </a:t>
+            </a:r>
+            <a:r>
+              <a:rPr lang="ru-RU" dirty="0" err="1"/>
+              <a:t>тестування</a:t>
+            </a:r>
+            <a:r>
+              <a:rPr lang="ru-RU" dirty="0"/>
+              <a:t> </a:t>
+            </a:r>
+            <a:r>
+              <a:rPr lang="ru-RU" dirty="0" err="1"/>
+              <a:t>підтвердило</a:t>
+            </a:r>
+            <a:r>
+              <a:rPr lang="ru-RU" dirty="0"/>
+              <a:t> </a:t>
+            </a:r>
+            <a:r>
+              <a:rPr lang="ru-RU" dirty="0" err="1"/>
+              <a:t>стабільність</a:t>
             </a:r>
             <a:r>
               <a:rPr lang="ru-RU" dirty="0"/>
@@ -9513,7 +9929,7 @@
             </a:r>
             <a:r>
               <a:rPr lang="ru-RU" dirty="0" err="1"/>
-              <a:t>корисність</a:t>
+              <a:t>коректність</a:t>
             </a:r>
             <a:r>
               <a:rPr lang="ru-RU" dirty="0"/>
@@ -9521,7 +9937,7 @@
             </a:r>
             <a:r>
               <a:rPr lang="ru-RU" dirty="0" err="1"/>
-              <a:t>отриманих</a:t>
+              <a:t>роботи</a:t>
             </a:r>
             <a:r>
               <a:rPr lang="ru-RU" dirty="0"/>
@@ -9529,152 +9945,10 @@
             </a:r>
             <a:r>
               <a:rPr lang="ru-RU" dirty="0" err="1"/>
-              <a:t>результатів</a:t>
-            </a:r>
-            <a:r>
-              <a:rPr lang="ru-RU" smtClean="0"/>
-              <a:t>:</a:t>
-            </a:r>
-            <a:endParaRPr lang="uk-UA" dirty="0" smtClean="0"/>
-          </a:p>
-          <a:p>
-            <a:r>
-              <a:rPr lang="ru-RU" dirty="0" err="1"/>
-              <a:t>Розроблена</a:t>
+              <a:t>системи</a:t>
             </a:r>
             <a:r>
               <a:rPr lang="ru-RU" dirty="0"/>
-              <a:t> </a:t>
-            </a:r>
-            <a:r>
-              <a:rPr lang="ru-RU" dirty="0" err="1"/>
-              <a:t>рекомендаційна</a:t>
-            </a:r>
-            <a:r>
-              <a:rPr lang="ru-RU" dirty="0"/>
-              <a:t> </a:t>
-            </a:r>
-            <a:r>
-              <a:rPr lang="ru-RU" dirty="0" err="1"/>
-              <a:t>підсистема</a:t>
-            </a:r>
-            <a:r>
-              <a:rPr lang="ru-RU" dirty="0"/>
-              <a:t> є</a:t>
-            </a:r>
-            <a:r>
-              <a:rPr lang="ru-RU" dirty="0" smtClean="0"/>
-              <a:t> </a:t>
-            </a:r>
-            <a:r>
-              <a:rPr lang="ru-RU" dirty="0" err="1"/>
-              <a:t>корисним</a:t>
-            </a:r>
-            <a:r>
-              <a:rPr lang="ru-RU" dirty="0"/>
-              <a:t> </a:t>
-            </a:r>
-            <a:r>
-              <a:rPr lang="ru-RU" dirty="0" err="1"/>
-              <a:t>інструментом</a:t>
-            </a:r>
-            <a:r>
-              <a:rPr lang="ru-RU" dirty="0"/>
-              <a:t> для </a:t>
-            </a:r>
-            <a:r>
-              <a:rPr lang="ru-RU" dirty="0" err="1"/>
-              <a:t>персоналізованого</a:t>
-            </a:r>
-            <a:r>
-              <a:rPr lang="ru-RU" dirty="0"/>
-              <a:t> </a:t>
-            </a:r>
-            <a:r>
-              <a:rPr lang="ru-RU" dirty="0" err="1"/>
-              <a:t>вибору</a:t>
-            </a:r>
-            <a:r>
-              <a:rPr lang="ru-RU" dirty="0"/>
-              <a:t> </a:t>
-            </a:r>
-            <a:r>
-              <a:rPr lang="ru-RU" dirty="0" err="1"/>
-              <a:t>туристичних</a:t>
-            </a:r>
-            <a:r>
-              <a:rPr lang="ru-RU" dirty="0"/>
-              <a:t> </a:t>
-            </a:r>
-            <a:r>
-              <a:rPr lang="ru-RU" dirty="0" err="1"/>
-              <a:t>локацій</a:t>
-            </a:r>
-            <a:r>
-              <a:rPr lang="ru-RU" dirty="0"/>
-              <a:t>. </a:t>
-            </a:r>
-            <a:r>
-              <a:rPr lang="uk-UA" dirty="0"/>
-              <a:t>Вона ефективно поєднує географічну близькість, типологічну схожість та рейтинги, а також інтегрує механізм перевірки достовірності відгуків, що забезпечує високу якість та надійність рекомендацій.</a:t>
-            </a:r>
-            <a:endParaRPr lang="ru-RU" dirty="0" smtClean="0"/>
-          </a:p>
-          <a:p>
-            <a:r>
-              <a:rPr lang="ru-RU" dirty="0" err="1"/>
-              <a:t>Проведене</a:t>
-            </a:r>
-            <a:r>
-              <a:rPr lang="ru-RU" dirty="0"/>
-              <a:t> </a:t>
-            </a:r>
-            <a:r>
-              <a:rPr lang="ru-RU" dirty="0" err="1"/>
-              <a:t>тестування</a:t>
-            </a:r>
-            <a:r>
-              <a:rPr lang="ru-RU" dirty="0"/>
-              <a:t> </a:t>
-            </a:r>
-            <a:r>
-              <a:rPr lang="ru-RU" dirty="0" err="1" smtClean="0"/>
-              <a:t>підтвердило</a:t>
-            </a:r>
-            <a:r>
-              <a:rPr lang="ru-RU" dirty="0" smtClean="0"/>
-              <a:t> </a:t>
-            </a:r>
-            <a:r>
-              <a:rPr lang="ru-RU" dirty="0" err="1" smtClean="0"/>
-              <a:t>стабільність</a:t>
-            </a:r>
-            <a:r>
-              <a:rPr lang="ru-RU" dirty="0" smtClean="0"/>
-              <a:t> та </a:t>
-            </a:r>
-            <a:r>
-              <a:rPr lang="ru-RU" dirty="0" err="1"/>
-              <a:t>коректність</a:t>
-            </a:r>
-            <a:r>
-              <a:rPr lang="ru-RU" dirty="0"/>
-              <a:t> </a:t>
-            </a:r>
-            <a:r>
-              <a:rPr lang="ru-RU" dirty="0" err="1"/>
-              <a:t>роботи</a:t>
-            </a:r>
-            <a:r>
-              <a:rPr lang="ru-RU" dirty="0"/>
-              <a:t> </a:t>
-            </a:r>
-            <a:r>
-              <a:rPr lang="ru-RU" dirty="0" err="1" smtClean="0"/>
-              <a:t>системи</a:t>
-            </a:r>
-            <a:r>
-              <a:rPr lang="ru-RU" dirty="0" smtClean="0"/>
               <a:t>.</a:t>
             </a:r>
             <a:endParaRPr lang="uk-UA" dirty="0"/>
@@ -9686,13 +9960,6 @@
   <p:clrMapOvr>
     <a:masterClrMapping/>
   </p:clrMapOvr>
-  <p:timing>
-    <p:tnLst>
-      <p:par>
-        <p:cTn id="1" dur="indefinite" restart="never" nodeType="tmRoot"/>
-      </p:par>
-    </p:tnLst>
-  </p:timing>
 </p:sld>
 </file>
 
@@ -9748,7 +10015,7 @@
               <a:buNone/>
             </a:pPr>
             <a:r>
-              <a:rPr lang="uk" sz="3200" dirty="0" smtClean="0"/>
+              <a:rPr lang="uk" sz="3200" dirty="0"/>
               <a:t>Мета роботи</a:t>
             </a:r>
             <a:endParaRPr sz="3200" dirty="0"/>
@@ -9872,7 +10139,7 @@
               <a:t>користувача</a:t>
             </a:r>
             <a:r>
-              <a:rPr lang="ru-RU" sz="1600" dirty="0" smtClean="0"/>
+              <a:rPr lang="ru-RU" sz="1600" dirty="0"/>
               <a:t>.</a:t>
             </a:r>
           </a:p>
@@ -9933,38 +10200,12 @@
               <a:t> </a:t>
             </a:r>
             <a:r>
-              <a:rPr lang="ru-RU" sz="1600" dirty="0" err="1" smtClean="0"/>
+              <a:rPr lang="ru-RU" sz="1600" dirty="0" err="1"/>
               <a:t>подорожей</a:t>
             </a:r>
             <a:r>
-              <a:rPr lang="ru-RU" sz="1600" dirty="0" smtClean="0"/>
+              <a:rPr lang="ru-RU" sz="1600" dirty="0"/>
               <a:t>.</a:t>
-            </a:r>
-          </a:p>
-          <a:p>
-            <a:r>
-              <a:rPr lang="en-US" sz="1600" dirty="0" smtClean="0"/>
-              <a:t>H</a:t>
-            </a:r>
-            <a:r>
-              <a:rPr lang="ru-RU" sz="1600" dirty="0" smtClean="0"/>
-              <a:t>е</a:t>
-            </a:r>
-            <a:r>
-              <a:rPr lang="uk-UA" sz="1600" dirty="0" smtClean="0"/>
-              <a:t>достатня </a:t>
-            </a:r>
-            <a:r>
-              <a:rPr lang="uk-UA" sz="1600" dirty="0"/>
-              <a:t>персоналізація в існуючих </a:t>
-            </a:r>
-            <a:r>
-              <a:rPr lang="uk-UA" sz="1600" dirty="0" smtClean="0"/>
-              <a:t>туристичних </a:t>
-            </a:r>
-            <a:r>
-              <a:rPr lang="uk-UA" sz="1600" dirty="0"/>
-              <a:t>сервісах.</a:t>
             </a:r>
           </a:p>
           <a:p>
@@ -9973,16 +10214,26 @@
               <a:t>H</a:t>
             </a:r>
             <a:r>
-              <a:rPr lang="uk-UA" sz="1600" dirty="0" err="1" smtClean="0"/>
+              <a:rPr lang="ru-RU" sz="1600" dirty="0"/>
+              <a:t>е</a:t>
+            </a:r>
+            <a:r>
+              <a:rPr lang="uk-UA" sz="1600" dirty="0"/>
+              <a:t>достатня персоналізація в існуючих туристичних сервісах.</a:t>
+            </a:r>
+          </a:p>
+          <a:p>
+            <a:r>
+              <a:rPr lang="en-US" sz="1600" dirty="0"/>
+              <a:t>H</a:t>
+            </a:r>
+            <a:r>
+              <a:rPr lang="uk-UA" sz="1600" dirty="0" err="1"/>
               <a:t>еобхідність</a:t>
             </a:r>
             <a:r>
-              <a:rPr lang="uk-UA" sz="1600" dirty="0" smtClean="0"/>
-              <a:t> </a:t>
-            </a:r>
-            <a:r>
               <a:rPr lang="uk-UA" sz="1600" dirty="0"/>
-              <a:t>ефективного інструменту для допомоги користувачам у виборі з великої кількості пропозицій.</a:t>
+              <a:t> ефективного інструменту для допомоги користувачам у виборі з великої кількості пропозицій.</a:t>
             </a:r>
           </a:p>
         </p:txBody>
@@ -10056,13 +10307,6 @@
   <p:clrMapOvr>
     <a:masterClrMapping/>
   </p:clrMapOvr>
-  <p:timing>
-    <p:tnLst>
-      <p:par>
-        <p:cTn id="1" dur="indefinite" restart="never" nodeType="tmRoot"/>
-      </p:par>
-    </p:tnLst>
-  </p:timing>
 </p:sld>
 </file>
 
@@ -10118,7 +10362,7 @@
               <a:buNone/>
             </a:pPr>
             <a:r>
-              <a:rPr lang="uk" sz="3200" dirty="0" smtClean="0"/>
+              <a:rPr lang="uk" sz="3200" dirty="0"/>
               <a:t>Аналіз проблеми </a:t>
             </a:r>
             <a:endParaRPr sz="3200" dirty="0"/>
@@ -10137,7 +10381,7 @@
         </p:nvSpPr>
         <p:spPr>
           <a:xfrm>
-            <a:off x="311700" y="836234"/>
+            <a:off x="268925" y="571569"/>
             <a:ext cx="3549831" cy="439115"/>
           </a:xfrm>
           <a:prstGeom prst="rect">
@@ -10155,14 +10399,10 @@
             </a:pPr>
             <a:r>
               <a:rPr lang="uk-UA" sz="1600" dirty="0"/>
-              <a:t>Досліджені конкуренти/аналоги</a:t>
-            </a:r>
-            <a:r>
-              <a:rPr lang="uk-UA" sz="1600" dirty="0" smtClean="0"/>
-              <a:t>:</a:t>
+              <a:t>Досліджені конкуренти/аналоги:</a:t>
             </a:r>
             <a:br>
-              <a:rPr lang="uk-UA" sz="1600" dirty="0" smtClean="0"/>
+              <a:rPr lang="uk-UA" sz="1600" dirty="0"/>
             </a:br>
             <a:endParaRPr lang="uk-UA" sz="1600" dirty="0"/>
           </a:p>
@@ -10246,7 +10486,7 @@
         </p:blipFill>
         <p:spPr>
           <a:xfrm>
-            <a:off x="364245" y="1405146"/>
+            <a:off x="311700" y="1420120"/>
             <a:ext cx="3601254" cy="1921450"/>
           </a:xfrm>
           <a:prstGeom prst="rect">
@@ -10262,7 +10502,7 @@
         </p:nvSpPr>
         <p:spPr>
           <a:xfrm>
-            <a:off x="1399170" y="3535270"/>
+            <a:off x="1282478" y="3557084"/>
             <a:ext cx="1374889" cy="307777"/>
           </a:xfrm>
           <a:prstGeom prst="rect">
@@ -10277,18 +10517,13 @@
           <a:lstStyle/>
           <a:p>
             <a:r>
-              <a:rPr lang="en-US" dirty="0" smtClean="0">
+              <a:rPr lang="en-US" dirty="0">
                 <a:latin typeface="Open Sans" panose="020B0604020202020204" charset="0"/>
                 <a:ea typeface="Open Sans" panose="020B0604020202020204" charset="0"/>
                 <a:cs typeface="Open Sans" panose="020B0604020202020204" charset="0"/>
               </a:rPr>
               <a:t>Google Maps</a:t>
             </a:r>
-            <a:endParaRPr lang="en-US" dirty="0">
-              <a:latin typeface="Open Sans" panose="020B0604020202020204" charset="0"/>
-              <a:ea typeface="Open Sans" panose="020B0604020202020204" charset="0"/>
-              <a:cs typeface="Open Sans" panose="020B0604020202020204" charset="0"/>
-            </a:endParaRPr>
           </a:p>
         </p:txBody>
       </p:sp>
@@ -10306,7 +10541,7 @@
         </p:blipFill>
         <p:spPr>
           <a:xfrm>
-            <a:off x="4151037" y="1405146"/>
+            <a:off x="4335060" y="1446434"/>
             <a:ext cx="4105164" cy="1895136"/>
           </a:xfrm>
           <a:prstGeom prst="rect">
@@ -10322,7 +10557,7 @@
         </p:nvSpPr>
         <p:spPr>
           <a:xfrm>
-            <a:off x="5677173" y="3535270"/>
+            <a:off x="5808742" y="3557084"/>
             <a:ext cx="1381468" cy="307777"/>
           </a:xfrm>
           <a:prstGeom prst="rect">
@@ -10352,13 +10587,6 @@
   <p:clrMapOvr>
     <a:masterClrMapping/>
   </p:clrMapOvr>
-  <p:timing>
-    <p:tnLst>
-      <p:par>
-        <p:cTn id="1" dur="indefinite" restart="never" nodeType="tmRoot"/>
-      </p:par>
-    </p:tnLst>
-  </p:timing>
 </p:sld>
 </file>
 
@@ -10415,11 +10643,7 @@
             </a:pPr>
             <a:r>
               <a:rPr lang="uk" sz="3200" dirty="0"/>
-              <a:t>Постановка </a:t>
-            </a:r>
-            <a:r>
-              <a:rPr lang="uk" sz="3200" dirty="0" smtClean="0"/>
-              <a:t>задачі</a:t>
+              <a:t>Постановка задачі</a:t>
             </a:r>
             <a:endParaRPr sz="3200" dirty="0"/>
           </a:p>
@@ -10482,7 +10706,7 @@
               <a:t>забезпечує</a:t>
             </a:r>
             <a:r>
-              <a:rPr lang="ru-RU" sz="1600" dirty="0" smtClean="0"/>
+              <a:rPr lang="ru-RU" sz="1600" dirty="0"/>
               <a:t>:</a:t>
             </a:r>
           </a:p>
@@ -10497,26 +10721,14 @@
               <a:buNone/>
             </a:pPr>
             <a:r>
-              <a:rPr lang="uk-UA" sz="1600" dirty="0" smtClean="0"/>
-              <a:t>Функції</a:t>
-            </a:r>
-            <a:r>
               <a:rPr lang="uk-UA" sz="1600" dirty="0"/>
-              <a:t>:</a:t>
+              <a:t>Функції:</a:t>
             </a:r>
           </a:p>
           <a:p>
             <a:r>
               <a:rPr lang="uk-UA" sz="1600" dirty="0"/>
-              <a:t>З</a:t>
-            </a:r>
-            <a:r>
-              <a:rPr lang="uk-UA" sz="1600" dirty="0" smtClean="0"/>
-              <a:t>бір </a:t>
-            </a:r>
-            <a:r>
-              <a:rPr lang="uk-UA" sz="1600" dirty="0"/>
-              <a:t>та аналіз даних (профілі користувачів, локації, відгуки).</a:t>
+              <a:t>Збір та аналіз даних (профілі користувачів, локації, відгуки).</a:t>
             </a:r>
           </a:p>
           <a:p>
@@ -10541,8 +10753,12 @@
           </a:p>
           <a:p>
             <a:r>
+              <a:rPr lang="uk-UA" sz="1600" dirty="0"/>
+              <a:t>І</a:t>
+            </a:r>
+            <a:r>
               <a:rPr lang="uk-UA" sz="1600" dirty="0" smtClean="0"/>
-              <a:t>інтеграція </a:t>
+              <a:t>нтеграція </a:t>
             </a:r>
             <a:r>
               <a:rPr lang="uk-UA" sz="1600" dirty="0"/>
@@ -10553,7 +10769,7 @@
             <a:pPr marL="114300" indent="0">
               <a:buNone/>
             </a:pPr>
-            <a:endParaRPr lang="uk-UA" sz="1600" dirty="0" smtClean="0"/>
+            <a:endParaRPr lang="uk-UA" sz="1600" dirty="0"/>
           </a:p>
         </p:txBody>
       </p:sp>
@@ -10626,13 +10842,6 @@
   <p:clrMapOvr>
     <a:masterClrMapping/>
   </p:clrMapOvr>
-  <p:timing>
-    <p:tnLst>
-      <p:par>
-        <p:cTn id="1" dur="indefinite" restart="never" nodeType="tmRoot"/>
-      </p:par>
-    </p:tnLst>
-  </p:timing>
 </p:sld>
 </file>
 
@@ -10688,7 +10897,7 @@
               <a:buNone/>
             </a:pPr>
             <a:r>
-              <a:rPr lang="uk" sz="3200" dirty="0" smtClean="0"/>
+              <a:rPr lang="uk" sz="3200" dirty="0"/>
               <a:t>Вибір технологій розробки </a:t>
             </a:r>
             <a:endParaRPr sz="3200" dirty="0"/>
@@ -10783,7 +10992,7 @@
           <a:p>
             <a:pPr algn="ctr"/>
             <a:r>
-              <a:rPr lang="en-US" dirty="0" smtClean="0"/>
+              <a:rPr lang="en-US" dirty="0"/>
               <a:t>Python</a:t>
             </a:r>
             <a:endParaRPr lang="uk-UA" dirty="0"/>
@@ -10813,7 +11022,7 @@
           <a:lstStyle/>
           <a:p>
             <a:r>
-              <a:rPr lang="ru-RU" dirty="0" smtClean="0">
+              <a:rPr lang="ru-RU" dirty="0">
                 <a:latin typeface="Open Sans" panose="020B0604020202020204" charset="0"/>
                 <a:ea typeface="Open Sans" panose="020B0604020202020204" charset="0"/>
                 <a:cs typeface="Open Sans" panose="020B0604020202020204" charset="0"/>
@@ -10821,7 +11030,7 @@
               <a:t>Веб </a:t>
             </a:r>
             <a:r>
-              <a:rPr lang="ru-RU" dirty="0" err="1" smtClean="0">
+              <a:rPr lang="ru-RU" dirty="0" err="1">
                 <a:latin typeface="Open Sans" panose="020B0604020202020204" charset="0"/>
                 <a:ea typeface="Open Sans" panose="020B0604020202020204" charset="0"/>
                 <a:cs typeface="Open Sans" panose="020B0604020202020204" charset="0"/>
@@ -10829,7 +11038,7 @@
               <a:t>фреймворк</a:t>
             </a:r>
             <a:r>
-              <a:rPr lang="ru-RU" dirty="0" smtClean="0">
+              <a:rPr lang="ru-RU" dirty="0">
                 <a:latin typeface="Open Sans" panose="020B0604020202020204" charset="0"/>
                 <a:ea typeface="Open Sans" panose="020B0604020202020204" charset="0"/>
                 <a:cs typeface="Open Sans" panose="020B0604020202020204" charset="0"/>
@@ -10837,7 +11046,7 @@
               <a:t> </a:t>
             </a:r>
             <a:r>
-              <a:rPr lang="en-US" dirty="0" err="1" smtClean="0">
+              <a:rPr lang="en-US" dirty="0" err="1">
                 <a:latin typeface="Open Sans" panose="020B0604020202020204" charset="0"/>
                 <a:ea typeface="Open Sans" panose="020B0604020202020204" charset="0"/>
                 <a:cs typeface="Open Sans" panose="020B0604020202020204" charset="0"/>
@@ -10875,12 +11084,20 @@
           <a:lstStyle/>
           <a:p>
             <a:r>
-              <a:rPr lang="en-US" dirty="0" smtClean="0">
+              <a:rPr lang="en-US" dirty="0">
                 <a:latin typeface="Open Sans" panose="020B0604020202020204" charset="0"/>
                 <a:ea typeface="Open Sans" panose="020B0604020202020204" charset="0"/>
                 <a:cs typeface="Open Sans" panose="020B0604020202020204" charset="0"/>
               </a:rPr>
-              <a:t>pandas</a:t>
+              <a:t>pandas, </a:t>
+            </a:r>
+            <a:r>
+              <a:rPr lang="en-US" dirty="0" err="1">
+                <a:latin typeface="Open Sans" panose="020B0604020202020204" charset="0"/>
+                <a:ea typeface="Open Sans" panose="020B0604020202020204" charset="0"/>
+                <a:cs typeface="Open Sans" panose="020B0604020202020204" charset="0"/>
+              </a:rPr>
+              <a:t>numpy</a:t>
             </a:r>
             <a:r>
               <a:rPr lang="en-US" dirty="0">
@@ -10891,12 +11108,12 @@
               <a:t>, </a:t>
             </a:r>
             <a:r>
-              <a:rPr lang="en-US" dirty="0" err="1" smtClean="0">
+              <a:rPr lang="en-US" dirty="0" err="1">
                 <a:latin typeface="Open Sans" panose="020B0604020202020204" charset="0"/>
                 <a:ea typeface="Open Sans" panose="020B0604020202020204" charset="0"/>
                 <a:cs typeface="Open Sans" panose="020B0604020202020204" charset="0"/>
               </a:rPr>
-              <a:t>numpy</a:t>
+              <a:t>Scikit</a:t>
             </a:r>
             <a:r>
               <a:rPr lang="en-US" dirty="0">
@@ -10904,29 +11121,8 @@
                 <a:ea typeface="Open Sans" panose="020B0604020202020204" charset="0"/>
                 <a:cs typeface="Open Sans" panose="020B0604020202020204" charset="0"/>
               </a:rPr>
-              <a:t>, </a:t>
-            </a:r>
-            <a:r>
-              <a:rPr lang="en-US" dirty="0" err="1" smtClean="0">
-                <a:latin typeface="Open Sans" panose="020B0604020202020204" charset="0"/>
-                <a:ea typeface="Open Sans" panose="020B0604020202020204" charset="0"/>
-                <a:cs typeface="Open Sans" panose="020B0604020202020204" charset="0"/>
-              </a:rPr>
-              <a:t>Scikit</a:t>
-            </a:r>
-            <a:r>
-              <a:rPr lang="en-US" dirty="0" smtClean="0">
-                <a:latin typeface="Open Sans" panose="020B0604020202020204" charset="0"/>
-                <a:ea typeface="Open Sans" panose="020B0604020202020204" charset="0"/>
-                <a:cs typeface="Open Sans" panose="020B0604020202020204" charset="0"/>
-              </a:rPr>
               <a:t>-learn</a:t>
             </a:r>
-            <a:endParaRPr lang="en-US" dirty="0">
-              <a:latin typeface="Open Sans" panose="020B0604020202020204" charset="0"/>
-              <a:ea typeface="Open Sans" panose="020B0604020202020204" charset="0"/>
-              <a:cs typeface="Open Sans" panose="020B0604020202020204" charset="0"/>
-            </a:endParaRPr>
           </a:p>
         </p:txBody>
       </p:sp>
@@ -11145,13 +11341,6 @@
   <p:clrMapOvr>
     <a:masterClrMapping/>
   </p:clrMapOvr>
-  <p:timing>
-    <p:tnLst>
-      <p:par>
-        <p:cTn id="1" dur="indefinite" restart="never" nodeType="tmRoot"/>
-      </p:par>
-    </p:tnLst>
-  </p:timing>
 </p:sld>
 </file>
 
@@ -11160,7 +11349,7 @@
   <p:cSld>
     <p:spTree>
       <p:nvGrpSpPr>
-        <p:cNvPr id="1" name="Shape 98"/>
+        <p:cNvPr id="1" name="Shape 84"/>
         <p:cNvGrpSpPr/>
         <p:nvPr/>
       </p:nvGrpSpPr>
@@ -11174,7 +11363,7 @@
       </p:grpSpPr>
       <p:sp>
         <p:nvSpPr>
-          <p:cNvPr id="99" name="Google Shape;99;p18"/>
+          <p:cNvPr id="85" name="Google Shape;85;p16"/>
           <p:cNvSpPr txBox="1">
             <a:spLocks noGrp="1"/>
           </p:cNvSpPr>
@@ -11184,8 +11373,8 @@
         </p:nvSpPr>
         <p:spPr>
           <a:xfrm>
-            <a:off x="268924" y="349659"/>
-            <a:ext cx="8707435" cy="831300"/>
+            <a:off x="311700" y="-186276"/>
+            <a:ext cx="8520600" cy="831300"/>
           </a:xfrm>
           <a:prstGeom prst="rect">
             <a:avLst/>
@@ -11193,7 +11382,7 @@
         </p:spPr>
         <p:txBody>
           <a:bodyPr spcFirstLastPara="1" wrap="square" lIns="91425" tIns="91425" rIns="91425" bIns="91425" anchor="b" anchorCtr="0">
-            <a:noAutofit/>
+            <a:normAutofit/>
           </a:bodyPr>
           <a:lstStyle/>
           <a:p>
@@ -11208,11 +11397,7 @@
             </a:pPr>
             <a:r>
               <a:rPr lang="uk" sz="3200" dirty="0"/>
-              <a:t>Архітектура </a:t>
-            </a:r>
-            <a:r>
-              <a:rPr lang="uk" sz="3200" dirty="0" smtClean="0"/>
-              <a:t>створенного програмного забезпечення</a:t>
+              <a:t>Опис розробленого алгоритму</a:t>
             </a:r>
             <a:endParaRPr sz="3200" dirty="0"/>
           </a:p>
@@ -11220,7 +11405,7 @@
       </p:sp>
       <p:sp>
         <p:nvSpPr>
-          <p:cNvPr id="100" name="Google Shape;100;p18"/>
+          <p:cNvPr id="86" name="Google Shape;86;p16"/>
           <p:cNvSpPr txBox="1">
             <a:spLocks noGrp="1"/>
           </p:cNvSpPr>
@@ -11230,8 +11415,8 @@
         </p:nvSpPr>
         <p:spPr>
           <a:xfrm>
-            <a:off x="1628577" y="4294757"/>
-            <a:ext cx="6652260" cy="451100"/>
+            <a:off x="268925" y="645024"/>
+            <a:ext cx="8563375" cy="3934201"/>
           </a:xfrm>
           <a:prstGeom prst="rect">
             <a:avLst/>
@@ -11239,29 +11424,127 @@
         </p:spPr>
         <p:txBody>
           <a:bodyPr spcFirstLastPara="1" wrap="square" lIns="91425" tIns="91425" rIns="91425" bIns="91425" anchor="t" anchorCtr="0">
-            <a:noAutofit/>
+            <a:normAutofit/>
           </a:bodyPr>
           <a:lstStyle/>
           <a:p>
-            <a:pPr marL="0" lvl="0" indent="0">
-              <a:spcAft>
-                <a:spcPts val="1200"/>
-              </a:spcAft>
+            <a:pPr marL="114300" indent="0">
               <a:buNone/>
             </a:pPr>
             <a:r>
-              <a:rPr lang="uk-UA" sz="1400" dirty="0"/>
-              <a:t>Діаграма компонентів взаємодії системи з рекомендаційною підсистемою</a:t>
-            </a:r>
-            <a:endParaRPr sz="1400" dirty="0">
-              <a:latin typeface="Economica" panose="020B0604020202020204" charset="0"/>
+              <a:rPr lang="uk-UA" sz="1600" dirty="0"/>
+              <a:t>Розроблений алгоритм рекомендацій використовує </a:t>
+            </a:r>
+            <a:r>
+              <a:rPr lang="en-US" sz="1600" dirty="0"/>
+              <a:t>Count </a:t>
+            </a:r>
+            <a:r>
+              <a:rPr lang="en-US" sz="1600" dirty="0" err="1"/>
+              <a:t>Vectorizer</a:t>
+            </a:r>
+            <a:r>
+              <a:rPr lang="en-US" sz="1600" dirty="0"/>
+              <a:t> </a:t>
+            </a:r>
+            <a:r>
+              <a:rPr lang="uk-UA" sz="1600" dirty="0"/>
+              <a:t>для перетворення категорій локацій у числові вектори, обчислює </a:t>
+            </a:r>
+            <a:r>
+              <a:rPr lang="uk-UA" sz="1600" dirty="0" err="1"/>
+              <a:t>косинусну</a:t>
+            </a:r>
+            <a:r>
+              <a:rPr lang="uk-UA" sz="1600" dirty="0"/>
+              <a:t> подібність із уподобаннями користувача та сортує локації за зваженими показниками (типи, відстань, рейтинг).</a:t>
+            </a:r>
+          </a:p>
+          <a:p>
+            <a:pPr marL="114300" indent="0">
+              <a:buNone/>
+            </a:pPr>
+            <a:endParaRPr lang="uk-UA" sz="1600" dirty="0">
+              <a:effectLst/>
+            </a:endParaRPr>
+          </a:p>
+          <a:p>
+            <a:pPr marL="114300" indent="0">
+              <a:buNone/>
+            </a:pPr>
+            <a:r>
+              <a:rPr lang="uk-UA" sz="1600" b="1" dirty="0"/>
+              <a:t>Чому аналоги не підходять</a:t>
+            </a:r>
+          </a:p>
+          <a:p>
+            <a:r>
+              <a:rPr lang="en-US" sz="1600" b="1" dirty="0"/>
+              <a:t>TF-IDF</a:t>
+            </a:r>
+            <a:r>
+              <a:rPr lang="en-US" sz="1600" dirty="0"/>
+              <a:t>: </a:t>
+            </a:r>
+            <a:r>
+              <a:rPr lang="uk-UA" sz="1600" dirty="0"/>
+              <a:t> нам не потрібне зважування частоти повторюваності слів, оскільки категорії мають однакову вагу.</a:t>
+            </a:r>
+          </a:p>
+          <a:p>
+            <a:r>
+              <a:rPr lang="en-US" sz="1600" b="1" dirty="0"/>
+              <a:t>Word2Vec/BERT</a:t>
+            </a:r>
+            <a:r>
+              <a:rPr lang="en-US" sz="1600" dirty="0"/>
+              <a:t>: </a:t>
+            </a:r>
+            <a:r>
+              <a:rPr lang="uk-UA" sz="1600" dirty="0"/>
+              <a:t>вимагають величезного </a:t>
+            </a:r>
+            <a:r>
+              <a:rPr lang="uk-UA" sz="1600" dirty="0" err="1"/>
+              <a:t>датасету</a:t>
+            </a:r>
+            <a:r>
+              <a:rPr lang="uk-UA" sz="1600" dirty="0"/>
+              <a:t> відгуків користувачів для тренування</a:t>
+            </a:r>
+            <a:r>
+              <a:rPr lang="en-US" sz="1600" dirty="0"/>
+              <a:t>.</a:t>
+            </a:r>
+          </a:p>
+          <a:p>
+            <a:r>
+              <a:rPr lang="uk-UA" sz="1600" b="1" dirty="0"/>
+              <a:t>Нейронні мережі</a:t>
+            </a:r>
+            <a:r>
+              <a:rPr lang="uk-UA" sz="1600" dirty="0"/>
+              <a:t>: недостатньо даних для ефективного навчання, надмірно </a:t>
+            </a:r>
+            <a:r>
+              <a:rPr lang="uk-UA" sz="1600" dirty="0" err="1"/>
+              <a:t>ресурсоємні</a:t>
+            </a:r>
+            <a:endParaRPr lang="uk-UA" sz="1600" dirty="0"/>
+          </a:p>
+          <a:p>
+            <a:pPr marL="114300" indent="0">
+              <a:buNone/>
+            </a:pPr>
+            <a:endParaRPr lang="uk-UA" sz="1600" dirty="0">
+              <a:effectLst/>
             </a:endParaRPr>
           </a:p>
         </p:txBody>
       </p:sp>
       <p:pic>
         <p:nvPicPr>
-          <p:cNvPr id="101" name="Google Shape;101;p18"/>
+          <p:cNvPr id="87" name="Google Shape;87;p16"/>
           <p:cNvPicPr preferRelativeResize="0"/>
           <p:nvPr/>
         </p:nvPicPr>
@@ -11292,7 +11575,7 @@
           <p:cNvPr id="2" name="TextBox 1">
             <a:extLst>
               <a:ext uri="{FF2B5EF4-FFF2-40B4-BE49-F238E27FC236}">
-                <a16:creationId xmlns:a16="http://schemas.microsoft.com/office/drawing/2014/main" id="{12A55726-B906-08A2-C43F-1B00FCF5F354}"/>
+                <a16:creationId xmlns:a16="http://schemas.microsoft.com/office/drawing/2014/main" id="{723D9805-068E-FE7E-BC9A-0C410D68B73B}"/>
               </a:ext>
             </a:extLst>
           </p:cNvPr>
@@ -11323,40 +11606,16 @@
           </a:p>
         </p:txBody>
       </p:sp>
-      <p:pic>
-        <p:nvPicPr>
-          <p:cNvPr id="7" name="Picture 6"/>
-          <p:cNvPicPr/>
-          <p:nvPr/>
-        </p:nvPicPr>
-        <p:blipFill>
-          <a:blip r:embed="rId4"/>
-          <a:stretch>
-            <a:fillRect/>
-          </a:stretch>
-        </p:blipFill>
-        <p:spPr>
-          <a:xfrm>
-            <a:off x="2793840" y="1030611"/>
-            <a:ext cx="3657602" cy="3121920"/>
-          </a:xfrm>
-          <a:prstGeom prst="rect">
-            <a:avLst/>
-          </a:prstGeom>
-        </p:spPr>
-      </p:pic>
     </p:spTree>
+    <p:extLst>
+      <p:ext uri="{BB962C8B-B14F-4D97-AF65-F5344CB8AC3E}">
+        <p14:creationId xmlns:p14="http://schemas.microsoft.com/office/powerpoint/2010/main" val="262253312"/>
+      </p:ext>
+    </p:extLst>
   </p:cSld>
   <p:clrMapOvr>
     <a:masterClrMapping/>
   </p:clrMapOvr>
-  <p:timing>
-    <p:tnLst>
-      <p:par>
-        <p:cTn id="1" dur="indefinite" restart="never" nodeType="tmRoot"/>
-      </p:par>
-    </p:tnLst>
-  </p:timing>
 </p:sld>
 </file>
 
@@ -11402,24 +11661,58 @@
           </a:bodyPr>
           <a:lstStyle/>
           <a:p>
-            <a:pPr marL="0" lvl="0" indent="0" algn="l" rtl="0">
-              <a:spcBef>
-                <a:spcPts val="0"/>
-              </a:spcBef>
-              <a:spcAft>
-                <a:spcPts val="0"/>
-              </a:spcAft>
-              <a:buNone/>
+            <a:pPr lvl="0">
+              <a:spcAft>
+                <a:spcPts val="1200"/>
+              </a:spcAft>
             </a:pPr>
             <a:r>
-              <a:rPr lang="uk" sz="3200" dirty="0"/>
-              <a:t>Архітектура </a:t>
-            </a:r>
-            <a:r>
-              <a:rPr lang="uk" sz="3200" dirty="0" smtClean="0"/>
-              <a:t>створенного програмного забезпечення</a:t>
-            </a:r>
-            <a:endParaRPr sz="3200" dirty="0"/>
+              <a:rPr lang="ru-RU" sz="3200" dirty="0" err="1"/>
+              <a:t>Діаграма</a:t>
+            </a:r>
+            <a:r>
+              <a:rPr lang="ru-RU" sz="3200" dirty="0"/>
+              <a:t> </a:t>
+            </a:r>
+            <a:r>
+              <a:rPr lang="ru-RU" sz="3200" dirty="0" err="1"/>
+              <a:t>компонентів</a:t>
+            </a:r>
+            <a:r>
+              <a:rPr lang="ru-RU" sz="3200" dirty="0"/>
+              <a:t> </a:t>
+            </a:r>
+            <a:r>
+              <a:rPr lang="ru-RU" sz="3200" dirty="0" err="1"/>
+              <a:t>взаємодії</a:t>
+            </a:r>
+            <a:r>
+              <a:rPr lang="ru-RU" sz="3200" dirty="0"/>
+              <a:t> </a:t>
+            </a:r>
+            <a:r>
+              <a:rPr lang="ru-RU" sz="3200" dirty="0" err="1"/>
+              <a:t>системи</a:t>
+            </a:r>
+            <a:r>
+              <a:rPr lang="ru-RU" sz="3200" dirty="0"/>
+              <a:t> з </a:t>
+            </a:r>
+            <a:r>
+              <a:rPr lang="ru-RU" sz="3200" dirty="0" err="1"/>
+              <a:t>рекомендаційною</a:t>
+            </a:r>
+            <a:r>
+              <a:rPr lang="ru-RU" sz="3200" dirty="0"/>
+              <a:t> </a:t>
+            </a:r>
+            <a:r>
+              <a:rPr lang="ru-RU" sz="3200" dirty="0" err="1"/>
+              <a:t>підсистемою</a:t>
+            </a:r>
+            <a:endParaRPr lang="ru-RU" sz="3200" dirty="0">
+              <a:latin typeface="Economica" panose="020B0604020202020204" charset="0"/>
+            </a:endParaRPr>
           </a:p>
         </p:txBody>
       </p:sp>
@@ -11435,8 +11728,8 @@
         </p:nvSpPr>
         <p:spPr>
           <a:xfrm>
-            <a:off x="2888636" y="4309137"/>
-            <a:ext cx="4132143" cy="451100"/>
+            <a:off x="1628577" y="4294757"/>
+            <a:ext cx="6652260" cy="451100"/>
           </a:xfrm>
           <a:prstGeom prst="rect">
             <a:avLst/>
@@ -11454,26 +11747,6 @@
               </a:spcAft>
               <a:buNone/>
             </a:pPr>
-            <a:r>
-              <a:rPr lang="ru-RU" sz="1400" dirty="0" err="1"/>
-              <a:t>Діаграма</a:t>
-            </a:r>
-            <a:r>
-              <a:rPr lang="ru-RU" sz="1400" dirty="0"/>
-              <a:t> </a:t>
-            </a:r>
-            <a:r>
-              <a:rPr lang="ru-RU" sz="1400" dirty="0" err="1"/>
-              <a:t>компонентів</a:t>
-            </a:r>
-            <a:r>
-              <a:rPr lang="ru-RU" sz="1400" dirty="0"/>
-              <a:t> модуля </a:t>
-            </a:r>
-            <a:r>
-              <a:rPr lang="ru-RU" sz="1400" dirty="0" err="1"/>
-              <a:t>рекомендацій</a:t>
-            </a:r>
             <a:endParaRPr sz="1400" dirty="0">
               <a:latin typeface="Economica" panose="020B0604020202020204" charset="0"/>
             </a:endParaRPr>
@@ -11546,6 +11819,210 @@
       </p:sp>
       <p:pic>
         <p:nvPicPr>
+          <p:cNvPr id="7" name="Picture 6"/>
+          <p:cNvPicPr/>
+          <p:nvPr/>
+        </p:nvPicPr>
+        <p:blipFill>
+          <a:blip r:embed="rId4"/>
+          <a:stretch>
+            <a:fillRect/>
+          </a:stretch>
+        </p:blipFill>
+        <p:spPr>
+          <a:xfrm>
+            <a:off x="2793840" y="1030611"/>
+            <a:ext cx="3657602" cy="3121920"/>
+          </a:xfrm>
+          <a:prstGeom prst="rect">
+            <a:avLst/>
+          </a:prstGeom>
+        </p:spPr>
+      </p:pic>
+    </p:spTree>
+  </p:cSld>
+  <p:clrMapOvr>
+    <a:masterClrMapping/>
+  </p:clrMapOvr>
+</p:sld>
+</file>
+
+<file path=ppt/slides/slide8.xml><?xml version="1.0" encoding="utf-8"?>
+<p:sld xmlns:a="http://schemas.openxmlformats.org/drawingml/2006/main" xmlns:r="http://schemas.openxmlformats.org/officeDocument/2006/relationships" xmlns:p="http://schemas.openxmlformats.org/presentationml/2006/main">
+  <p:cSld>
+    <p:spTree>
+      <p:nvGrpSpPr>
+        <p:cNvPr id="1" name="Shape 98"/>
+        <p:cNvGrpSpPr/>
+        <p:nvPr/>
+      </p:nvGrpSpPr>
+      <p:grpSpPr>
+        <a:xfrm>
+          <a:off x="0" y="0"/>
+          <a:ext cx="0" cy="0"/>
+          <a:chOff x="0" y="0"/>
+          <a:chExt cx="0" cy="0"/>
+        </a:xfrm>
+      </p:grpSpPr>
+      <p:sp>
+        <p:nvSpPr>
+          <p:cNvPr id="99" name="Google Shape;99;p18"/>
+          <p:cNvSpPr txBox="1">
+            <a:spLocks noGrp="1"/>
+          </p:cNvSpPr>
+          <p:nvPr>
+            <p:ph type="title"/>
+          </p:nvPr>
+        </p:nvSpPr>
+        <p:spPr>
+          <a:xfrm>
+            <a:off x="268924" y="349659"/>
+            <a:ext cx="8707435" cy="831300"/>
+          </a:xfrm>
+          <a:prstGeom prst="rect">
+            <a:avLst/>
+          </a:prstGeom>
+        </p:spPr>
+        <p:txBody>
+          <a:bodyPr spcFirstLastPara="1" wrap="square" lIns="91425" tIns="91425" rIns="91425" bIns="91425" anchor="b" anchorCtr="0">
+            <a:noAutofit/>
+          </a:bodyPr>
+          <a:lstStyle/>
+          <a:p>
+            <a:pPr lvl="0">
+              <a:spcAft>
+                <a:spcPts val="1200"/>
+              </a:spcAft>
+            </a:pPr>
+            <a:r>
+              <a:rPr lang="ru-RU" sz="3200" dirty="0" err="1"/>
+              <a:t>Діаграма</a:t>
+            </a:r>
+            <a:r>
+              <a:rPr lang="ru-RU" sz="3200" dirty="0"/>
+              <a:t> </a:t>
+            </a:r>
+            <a:r>
+              <a:rPr lang="ru-RU" sz="3200" dirty="0" err="1"/>
+              <a:t>компонентів</a:t>
+            </a:r>
+            <a:r>
+              <a:rPr lang="ru-RU" sz="3200" dirty="0"/>
+              <a:t> модуля </a:t>
+            </a:r>
+            <a:r>
+              <a:rPr lang="ru-RU" sz="3200" dirty="0" err="1"/>
+              <a:t>рекомендацій</a:t>
+            </a:r>
+            <a:endParaRPr lang="ru-RU" sz="3200" dirty="0">
+              <a:latin typeface="Economica" panose="020B0604020202020204" charset="0"/>
+            </a:endParaRPr>
+          </a:p>
+        </p:txBody>
+      </p:sp>
+      <p:sp>
+        <p:nvSpPr>
+          <p:cNvPr id="100" name="Google Shape;100;p18"/>
+          <p:cNvSpPr txBox="1">
+            <a:spLocks noGrp="1"/>
+          </p:cNvSpPr>
+          <p:nvPr>
+            <p:ph type="body" idx="1"/>
+          </p:nvPr>
+        </p:nvSpPr>
+        <p:spPr>
+          <a:xfrm>
+            <a:off x="2888636" y="4309137"/>
+            <a:ext cx="4132143" cy="451100"/>
+          </a:xfrm>
+          <a:prstGeom prst="rect">
+            <a:avLst/>
+          </a:prstGeom>
+        </p:spPr>
+        <p:txBody>
+          <a:bodyPr spcFirstLastPara="1" wrap="square" lIns="91425" tIns="91425" rIns="91425" bIns="91425" anchor="t" anchorCtr="0">
+            <a:noAutofit/>
+          </a:bodyPr>
+          <a:lstStyle/>
+          <a:p>
+            <a:pPr marL="0" lvl="0" indent="0">
+              <a:spcAft>
+                <a:spcPts val="1200"/>
+              </a:spcAft>
+              <a:buNone/>
+            </a:pPr>
+            <a:endParaRPr sz="1400" dirty="0">
+              <a:latin typeface="Economica" panose="020B0604020202020204" charset="0"/>
+            </a:endParaRPr>
+          </a:p>
+        </p:txBody>
+      </p:sp>
+      <p:pic>
+        <p:nvPicPr>
+          <p:cNvPr id="101" name="Google Shape;101;p18"/>
+          <p:cNvPicPr preferRelativeResize="0"/>
+          <p:nvPr/>
+        </p:nvPicPr>
+        <p:blipFill>
+          <a:blip r:embed="rId3">
+            <a:alphaModFix/>
+          </a:blip>
+          <a:stretch>
+            <a:fillRect/>
+          </a:stretch>
+        </p:blipFill>
+        <p:spPr>
+          <a:xfrm>
+            <a:off x="268925" y="4359500"/>
+            <a:ext cx="862250" cy="581750"/>
+          </a:xfrm>
+          <a:prstGeom prst="rect">
+            <a:avLst/>
+          </a:prstGeom>
+          <a:noFill/>
+          <a:ln>
+            <a:noFill/>
+          </a:ln>
+        </p:spPr>
+      </p:pic>
+      <p:sp>
+        <p:nvSpPr>
+          <p:cNvPr id="2" name="TextBox 1">
+            <a:extLst>
+              <a:ext uri="{FF2B5EF4-FFF2-40B4-BE49-F238E27FC236}">
+                <a16:creationId xmlns:a16="http://schemas.microsoft.com/office/drawing/2014/main" id="{12A55726-B906-08A2-C43F-1B00FCF5F354}"/>
+              </a:ext>
+            </a:extLst>
+          </p:cNvPr>
+          <p:cNvSpPr txBox="1"/>
+          <p:nvPr/>
+        </p:nvSpPr>
+        <p:spPr>
+          <a:xfrm>
+            <a:off x="8778240" y="4606349"/>
+            <a:ext cx="284052" cy="307777"/>
+          </a:xfrm>
+          <a:prstGeom prst="rect">
+            <a:avLst/>
+          </a:prstGeom>
+          <a:noFill/>
+        </p:spPr>
+        <p:txBody>
+          <a:bodyPr wrap="none" rtlCol="0">
+            <a:spAutoFit/>
+          </a:bodyPr>
+          <a:lstStyle/>
+          <a:p>
+            <a:fld id="{A35EEF41-5B9E-4186-8855-3C8162DCC2D6}" type="slidenum">
+              <a:rPr lang="uk-UA" smtClean="0"/>
+              <a:t>8</a:t>
+            </a:fld>
+            <a:endParaRPr lang="uk-UA" dirty="0"/>
+          </a:p>
+        </p:txBody>
+      </p:sp>
+      <p:pic>
+        <p:nvPicPr>
           <p:cNvPr id="8" name="Picture 7"/>
           <p:cNvPicPr/>
           <p:nvPr/>
@@ -11576,17 +12053,10 @@
   <p:clrMapOvr>
     <a:masterClrMapping/>
   </p:clrMapOvr>
-  <p:timing>
-    <p:tnLst>
-      <p:par>
-        <p:cTn id="1" dur="indefinite" restart="never" nodeType="tmRoot"/>
-      </p:par>
-    </p:tnLst>
-  </p:timing>
 </p:sld>
 </file>
 
-<file path=ppt/slides/slide8.xml><?xml version="1.0" encoding="utf-8"?>
+<file path=ppt/slides/slide9.xml><?xml version="1.0" encoding="utf-8"?>
 <p:sld xmlns:a="http://schemas.openxmlformats.org/drawingml/2006/main" xmlns:r="http://schemas.openxmlformats.org/officeDocument/2006/relationships" xmlns:p="http://schemas.openxmlformats.org/presentationml/2006/main">
   <p:cSld>
     <p:spTree>
@@ -11616,7 +12086,7 @@
         <p:spPr>
           <a:xfrm>
             <a:off x="311700" y="-92038"/>
-            <a:ext cx="8520600" cy="831300"/>
+            <a:ext cx="8520600" cy="1101834"/>
           </a:xfrm>
           <a:prstGeom prst="rect">
             <a:avLst/>
@@ -11624,24 +12094,103 @@
         </p:spPr>
         <p:txBody>
           <a:bodyPr spcFirstLastPara="1" wrap="square" lIns="91425" tIns="91425" rIns="91425" bIns="91425" anchor="b" anchorCtr="0">
-            <a:normAutofit/>
+            <a:normAutofit fontScale="90000"/>
           </a:bodyPr>
           <a:lstStyle/>
           <a:p>
-            <a:pPr marL="0" lvl="0" indent="0" algn="l" rtl="0">
-              <a:spcBef>
-                <a:spcPts val="0"/>
-              </a:spcBef>
-              <a:spcAft>
-                <a:spcPts val="0"/>
-              </a:spcAft>
-              <a:buNone/>
-            </a:pPr>
-            <a:r>
-              <a:rPr lang="uk" sz="3200" dirty="0" smtClean="0"/>
-              <a:t>Дизайн системи</a:t>
-            </a:r>
-            <a:endParaRPr sz="3200" dirty="0"/>
+            <a:r>
+              <a:rPr lang="ru-RU" sz="3200" dirty="0" err="1">
+                <a:latin typeface="Open Sans" panose="020B0604020202020204" charset="0"/>
+                <a:ea typeface="Open Sans" panose="020B0604020202020204" charset="0"/>
+                <a:cs typeface="Open Sans" panose="020B0604020202020204" charset="0"/>
+              </a:rPr>
+              <a:t>Діаграма</a:t>
+            </a:r>
+            <a:r>
+              <a:rPr lang="ru-RU" sz="3200" dirty="0">
+                <a:latin typeface="Open Sans" panose="020B0604020202020204" charset="0"/>
+                <a:ea typeface="Open Sans" panose="020B0604020202020204" charset="0"/>
+                <a:cs typeface="Open Sans" panose="020B0604020202020204" charset="0"/>
+              </a:rPr>
+              <a:t> </a:t>
+            </a:r>
+            <a:r>
+              <a:rPr lang="ru-RU" sz="3200" dirty="0" err="1">
+                <a:latin typeface="Open Sans" panose="020B0604020202020204" charset="0"/>
+                <a:ea typeface="Open Sans" panose="020B0604020202020204" charset="0"/>
+                <a:cs typeface="Open Sans" panose="020B0604020202020204" charset="0"/>
+              </a:rPr>
+              <a:t>послідовностей</a:t>
+            </a:r>
+            <a:r>
+              <a:rPr lang="ru-RU" sz="3200" dirty="0">
+                <a:latin typeface="Open Sans" panose="020B0604020202020204" charset="0"/>
+                <a:ea typeface="Open Sans" panose="020B0604020202020204" charset="0"/>
+                <a:cs typeface="Open Sans" panose="020B0604020202020204" charset="0"/>
+              </a:rPr>
+              <a:t> </a:t>
+            </a:r>
+            <a:r>
+              <a:rPr lang="ru-RU" sz="3200" dirty="0" err="1">
+                <a:latin typeface="Open Sans" panose="020B0604020202020204" charset="0"/>
+                <a:ea typeface="Open Sans" panose="020B0604020202020204" charset="0"/>
+                <a:cs typeface="Open Sans" panose="020B0604020202020204" charset="0"/>
+              </a:rPr>
+              <a:t>взаємодії</a:t>
+            </a:r>
+            <a:r>
+              <a:rPr lang="ru-RU" sz="3200" dirty="0">
+                <a:latin typeface="Open Sans" panose="020B0604020202020204" charset="0"/>
+                <a:ea typeface="Open Sans" panose="020B0604020202020204" charset="0"/>
+                <a:cs typeface="Open Sans" panose="020B0604020202020204" charset="0"/>
+              </a:rPr>
+              <a:t> </a:t>
+            </a:r>
+            <a:r>
+              <a:rPr lang="ru-RU" sz="3200" dirty="0" err="1">
+                <a:latin typeface="Open Sans" panose="020B0604020202020204" charset="0"/>
+                <a:ea typeface="Open Sans" panose="020B0604020202020204" charset="0"/>
+                <a:cs typeface="Open Sans" panose="020B0604020202020204" charset="0"/>
+              </a:rPr>
+              <a:t>користувача</a:t>
+            </a:r>
+            <a:r>
+              <a:rPr lang="ru-RU" sz="3200" dirty="0">
+                <a:latin typeface="Open Sans" panose="020B0604020202020204" charset="0"/>
+                <a:ea typeface="Open Sans" panose="020B0604020202020204" charset="0"/>
+                <a:cs typeface="Open Sans" panose="020B0604020202020204" charset="0"/>
+              </a:rPr>
+              <a:t> з </a:t>
+            </a:r>
+            <a:r>
+              <a:rPr lang="ru-RU" sz="3200" dirty="0" err="1">
+                <a:latin typeface="Open Sans" panose="020B0604020202020204" charset="0"/>
+                <a:ea typeface="Open Sans" panose="020B0604020202020204" charset="0"/>
+                <a:cs typeface="Open Sans" panose="020B0604020202020204" charset="0"/>
+              </a:rPr>
+              <a:t>рекомендаційною</a:t>
+            </a:r>
+            <a:r>
+              <a:rPr lang="ru-RU" sz="3200" dirty="0">
+                <a:latin typeface="Open Sans" panose="020B0604020202020204" charset="0"/>
+                <a:ea typeface="Open Sans" panose="020B0604020202020204" charset="0"/>
+                <a:cs typeface="Open Sans" panose="020B0604020202020204" charset="0"/>
+              </a:rPr>
+              <a:t> </a:t>
+            </a:r>
+            <a:r>
+              <a:rPr lang="ru-RU" sz="3200" dirty="0" err="1">
+                <a:latin typeface="Open Sans" panose="020B0604020202020204" charset="0"/>
+                <a:ea typeface="Open Sans" panose="020B0604020202020204" charset="0"/>
+                <a:cs typeface="Open Sans" panose="020B0604020202020204" charset="0"/>
+              </a:rPr>
+              <a:t>підсистемою</a:t>
+            </a:r>
+            <a:endParaRPr lang="en-US" sz="3200" dirty="0">
+              <a:latin typeface="Open Sans" panose="020B0604020202020204" charset="0"/>
+              <a:ea typeface="Open Sans" panose="020B0604020202020204" charset="0"/>
+              <a:cs typeface="Open Sans" panose="020B0604020202020204" charset="0"/>
+            </a:endParaRPr>
           </a:p>
         </p:txBody>
       </p:sp>
@@ -11741,7 +12290,7 @@
           <a:p>
             <a:fld id="{A35EEF41-5B9E-4186-8855-3C8162DCC2D6}" type="slidenum">
               <a:rPr lang="uk-UA" smtClean="0"/>
-              <a:t>8</a:t>
+              <a:t>9</a:t>
             </a:fld>
             <a:endParaRPr lang="uk-UA" dirty="0"/>
           </a:p>
@@ -11761,352 +12310,8 @@
         </p:blipFill>
         <p:spPr>
           <a:xfrm>
-            <a:off x="2233552" y="717320"/>
+            <a:off x="2233552" y="974046"/>
             <a:ext cx="4602480" cy="3642180"/>
-          </a:xfrm>
-          <a:prstGeom prst="rect">
-            <a:avLst/>
-          </a:prstGeom>
-        </p:spPr>
-      </p:pic>
-      <p:sp>
-        <p:nvSpPr>
-          <p:cNvPr id="3" name="TextBox 2"/>
-          <p:cNvSpPr txBox="1"/>
-          <p:nvPr/>
-        </p:nvSpPr>
-        <p:spPr>
-          <a:xfrm>
-            <a:off x="1319967" y="4496486"/>
-            <a:ext cx="7269480" cy="307777"/>
-          </a:xfrm>
-          <a:prstGeom prst="rect">
-            <a:avLst/>
-          </a:prstGeom>
-          <a:noFill/>
-        </p:spPr>
-        <p:txBody>
-          <a:bodyPr wrap="square" rtlCol="0">
-            <a:spAutoFit/>
-          </a:bodyPr>
-          <a:lstStyle/>
-          <a:p>
-            <a:r>
-              <a:rPr lang="ru-RU" dirty="0" err="1">
-                <a:latin typeface="Open Sans" panose="020B0604020202020204" charset="0"/>
-                <a:ea typeface="Open Sans" panose="020B0604020202020204" charset="0"/>
-                <a:cs typeface="Open Sans" panose="020B0604020202020204" charset="0"/>
-              </a:rPr>
-              <a:t>Діаграма</a:t>
-            </a:r>
-            <a:r>
-              <a:rPr lang="ru-RU" dirty="0">
-                <a:latin typeface="Open Sans" panose="020B0604020202020204" charset="0"/>
-                <a:ea typeface="Open Sans" panose="020B0604020202020204" charset="0"/>
-                <a:cs typeface="Open Sans" panose="020B0604020202020204" charset="0"/>
-              </a:rPr>
-              <a:t> </a:t>
-            </a:r>
-            <a:r>
-              <a:rPr lang="ru-RU" dirty="0" err="1">
-                <a:latin typeface="Open Sans" panose="020B0604020202020204" charset="0"/>
-                <a:ea typeface="Open Sans" panose="020B0604020202020204" charset="0"/>
-                <a:cs typeface="Open Sans" panose="020B0604020202020204" charset="0"/>
-              </a:rPr>
-              <a:t>послідовностей</a:t>
-            </a:r>
-            <a:r>
-              <a:rPr lang="ru-RU" dirty="0">
-                <a:latin typeface="Open Sans" panose="020B0604020202020204" charset="0"/>
-                <a:ea typeface="Open Sans" panose="020B0604020202020204" charset="0"/>
-                <a:cs typeface="Open Sans" panose="020B0604020202020204" charset="0"/>
-              </a:rPr>
-              <a:t> </a:t>
-            </a:r>
-            <a:r>
-              <a:rPr lang="ru-RU" dirty="0" err="1">
-                <a:latin typeface="Open Sans" panose="020B0604020202020204" charset="0"/>
-                <a:ea typeface="Open Sans" panose="020B0604020202020204" charset="0"/>
-                <a:cs typeface="Open Sans" panose="020B0604020202020204" charset="0"/>
-              </a:rPr>
-              <a:t>взаємодії</a:t>
-            </a:r>
-            <a:r>
-              <a:rPr lang="ru-RU" dirty="0">
-                <a:latin typeface="Open Sans" panose="020B0604020202020204" charset="0"/>
-                <a:ea typeface="Open Sans" panose="020B0604020202020204" charset="0"/>
-                <a:cs typeface="Open Sans" panose="020B0604020202020204" charset="0"/>
-              </a:rPr>
-              <a:t> </a:t>
-            </a:r>
-            <a:r>
-              <a:rPr lang="ru-RU" dirty="0" err="1">
-                <a:latin typeface="Open Sans" panose="020B0604020202020204" charset="0"/>
-                <a:ea typeface="Open Sans" panose="020B0604020202020204" charset="0"/>
-                <a:cs typeface="Open Sans" panose="020B0604020202020204" charset="0"/>
-              </a:rPr>
-              <a:t>користувача</a:t>
-            </a:r>
-            <a:r>
-              <a:rPr lang="ru-RU" dirty="0">
-                <a:latin typeface="Open Sans" panose="020B0604020202020204" charset="0"/>
-                <a:ea typeface="Open Sans" panose="020B0604020202020204" charset="0"/>
-                <a:cs typeface="Open Sans" panose="020B0604020202020204" charset="0"/>
-              </a:rPr>
-              <a:t> з </a:t>
-            </a:r>
-            <a:r>
-              <a:rPr lang="ru-RU" dirty="0" err="1">
-                <a:latin typeface="Open Sans" panose="020B0604020202020204" charset="0"/>
-                <a:ea typeface="Open Sans" panose="020B0604020202020204" charset="0"/>
-                <a:cs typeface="Open Sans" panose="020B0604020202020204" charset="0"/>
-              </a:rPr>
-              <a:t>рекомендаційною</a:t>
-            </a:r>
-            <a:r>
-              <a:rPr lang="ru-RU" dirty="0">
-                <a:latin typeface="Open Sans" panose="020B0604020202020204" charset="0"/>
-                <a:ea typeface="Open Sans" panose="020B0604020202020204" charset="0"/>
-                <a:cs typeface="Open Sans" panose="020B0604020202020204" charset="0"/>
-              </a:rPr>
-              <a:t> </a:t>
-            </a:r>
-            <a:r>
-              <a:rPr lang="ru-RU" dirty="0" err="1">
-                <a:latin typeface="Open Sans" panose="020B0604020202020204" charset="0"/>
-                <a:ea typeface="Open Sans" panose="020B0604020202020204" charset="0"/>
-                <a:cs typeface="Open Sans" panose="020B0604020202020204" charset="0"/>
-              </a:rPr>
-              <a:t>підсистемою</a:t>
-            </a:r>
-            <a:endParaRPr lang="en-US" dirty="0">
-              <a:latin typeface="Open Sans" panose="020B0604020202020204" charset="0"/>
-              <a:ea typeface="Open Sans" panose="020B0604020202020204" charset="0"/>
-              <a:cs typeface="Open Sans" panose="020B0604020202020204" charset="0"/>
-            </a:endParaRPr>
-          </a:p>
-        </p:txBody>
-      </p:sp>
-    </p:spTree>
-  </p:cSld>
-  <p:clrMapOvr>
-    <a:masterClrMapping/>
-  </p:clrMapOvr>
-  <p:timing>
-    <p:tnLst>
-      <p:par>
-        <p:cTn id="1" dur="indefinite" restart="never" nodeType="tmRoot"/>
-      </p:par>
-    </p:tnLst>
-  </p:timing>
-</p:sld>
-</file>
-
-<file path=ppt/slides/slide9.xml><?xml version="1.0" encoding="utf-8"?>
-<p:sld xmlns:a="http://schemas.openxmlformats.org/drawingml/2006/main" xmlns:r="http://schemas.openxmlformats.org/officeDocument/2006/relationships" xmlns:p="http://schemas.openxmlformats.org/presentationml/2006/main">
-  <p:cSld>
-    <p:spTree>
-      <p:nvGrpSpPr>
-        <p:cNvPr id="1" name="Shape 119"/>
-        <p:cNvGrpSpPr/>
-        <p:nvPr/>
-      </p:nvGrpSpPr>
-      <p:grpSpPr>
-        <a:xfrm>
-          <a:off x="0" y="0"/>
-          <a:ext cx="0" cy="0"/>
-          <a:chOff x="0" y="0"/>
-          <a:chExt cx="0" cy="0"/>
-        </a:xfrm>
-      </p:grpSpPr>
-      <p:sp>
-        <p:nvSpPr>
-          <p:cNvPr id="120" name="Google Shape;120;p21"/>
-          <p:cNvSpPr txBox="1">
-            <a:spLocks noGrp="1"/>
-          </p:cNvSpPr>
-          <p:nvPr>
-            <p:ph type="title"/>
-          </p:nvPr>
-        </p:nvSpPr>
-        <p:spPr>
-          <a:xfrm>
-            <a:off x="268925" y="-152998"/>
-            <a:ext cx="8520600" cy="831300"/>
-          </a:xfrm>
-          <a:prstGeom prst="rect">
-            <a:avLst/>
-          </a:prstGeom>
-        </p:spPr>
-        <p:txBody>
-          <a:bodyPr spcFirstLastPara="1" wrap="square" lIns="91425" tIns="91425" rIns="91425" bIns="91425" anchor="b" anchorCtr="0">
-            <a:normAutofit/>
-          </a:bodyPr>
-          <a:lstStyle/>
-          <a:p>
-            <a:pPr marL="0" lvl="0" indent="0" algn="l" rtl="0">
-              <a:spcBef>
-                <a:spcPts val="0"/>
-              </a:spcBef>
-              <a:spcAft>
-                <a:spcPts val="0"/>
-              </a:spcAft>
-              <a:buNone/>
-            </a:pPr>
-            <a:r>
-              <a:rPr lang="uk" sz="3200" dirty="0" smtClean="0"/>
-              <a:t>Приклад реалізації</a:t>
-            </a:r>
-            <a:endParaRPr sz="3200" dirty="0"/>
-          </a:p>
-        </p:txBody>
-      </p:sp>
-      <p:sp>
-        <p:nvSpPr>
-          <p:cNvPr id="121" name="Google Shape;121;p21"/>
-          <p:cNvSpPr txBox="1">
-            <a:spLocks noGrp="1"/>
-          </p:cNvSpPr>
-          <p:nvPr>
-            <p:ph type="body" idx="1"/>
-          </p:nvPr>
-        </p:nvSpPr>
-        <p:spPr>
-          <a:xfrm>
-            <a:off x="311700" y="1225225"/>
-            <a:ext cx="8520600" cy="3354000"/>
-          </a:xfrm>
-          <a:prstGeom prst="rect">
-            <a:avLst/>
-          </a:prstGeom>
-        </p:spPr>
-        <p:txBody>
-          <a:bodyPr spcFirstLastPara="1" wrap="square" lIns="91425" tIns="91425" rIns="91425" bIns="91425" anchor="t" anchorCtr="0">
-            <a:normAutofit/>
-          </a:bodyPr>
-          <a:lstStyle/>
-          <a:p>
-            <a:pPr marL="0" lvl="0" indent="0" algn="l" rtl="0">
-              <a:spcBef>
-                <a:spcPts val="0"/>
-              </a:spcBef>
-              <a:spcAft>
-                <a:spcPts val="0"/>
-              </a:spcAft>
-              <a:buNone/>
-            </a:pPr>
-            <a:endParaRPr dirty="0">
-              <a:latin typeface="Economica" panose="020B0604020202020204" charset="0"/>
-            </a:endParaRPr>
-          </a:p>
-        </p:txBody>
-      </p:sp>
-      <p:pic>
-        <p:nvPicPr>
-          <p:cNvPr id="122" name="Google Shape;122;p21"/>
-          <p:cNvPicPr preferRelativeResize="0"/>
-          <p:nvPr/>
-        </p:nvPicPr>
-        <p:blipFill>
-          <a:blip r:embed="rId3">
-            <a:alphaModFix/>
-          </a:blip>
-          <a:stretch>
-            <a:fillRect/>
-          </a:stretch>
-        </p:blipFill>
-        <p:spPr>
-          <a:xfrm>
-            <a:off x="268925" y="4359500"/>
-            <a:ext cx="862250" cy="581750"/>
-          </a:xfrm>
-          <a:prstGeom prst="rect">
-            <a:avLst/>
-          </a:prstGeom>
-          <a:noFill/>
-          <a:ln>
-            <a:noFill/>
-          </a:ln>
-        </p:spPr>
-      </p:pic>
-      <p:sp>
-        <p:nvSpPr>
-          <p:cNvPr id="2" name="TextBox 1">
-            <a:extLst>
-              <a:ext uri="{FF2B5EF4-FFF2-40B4-BE49-F238E27FC236}">
-                <a16:creationId xmlns:a16="http://schemas.microsoft.com/office/drawing/2014/main" id="{68800C66-AABB-EFA8-12F4-0C56A1243712}"/>
-              </a:ext>
-            </a:extLst>
-          </p:cNvPr>
-          <p:cNvSpPr txBox="1"/>
-          <p:nvPr/>
-        </p:nvSpPr>
-        <p:spPr>
-          <a:xfrm>
-            <a:off x="8778240" y="4606349"/>
-            <a:ext cx="284052" cy="307777"/>
-          </a:xfrm>
-          <a:prstGeom prst="rect">
-            <a:avLst/>
-          </a:prstGeom>
-          <a:noFill/>
-        </p:spPr>
-        <p:txBody>
-          <a:bodyPr wrap="none" rtlCol="0">
-            <a:spAutoFit/>
-          </a:bodyPr>
-          <a:lstStyle/>
-          <a:p>
-            <a:fld id="{A35EEF41-5B9E-4186-8855-3C8162DCC2D6}" type="slidenum">
-              <a:rPr lang="uk-UA" smtClean="0"/>
-              <a:t>9</a:t>
-            </a:fld>
-            <a:endParaRPr lang="uk-UA" dirty="0"/>
-          </a:p>
-        </p:txBody>
-      </p:sp>
-      <p:pic>
-        <p:nvPicPr>
-          <p:cNvPr id="3" name="Picture 2"/>
-          <p:cNvPicPr>
-            <a:picLocks noChangeAspect="1"/>
-          </p:cNvPicPr>
-          <p:nvPr/>
-        </p:nvPicPr>
-        <p:blipFill>
-          <a:blip r:embed="rId4"/>
-          <a:stretch>
-            <a:fillRect/>
-          </a:stretch>
-        </p:blipFill>
-        <p:spPr>
-          <a:xfrm>
-            <a:off x="375605" y="1225225"/>
-            <a:ext cx="3767108" cy="2628424"/>
-          </a:xfrm>
-          <a:prstGeom prst="rect">
-            <a:avLst/>
-          </a:prstGeom>
-        </p:spPr>
-      </p:pic>
-      <p:pic>
-        <p:nvPicPr>
-          <p:cNvPr id="4" name="Picture 3"/>
-          <p:cNvPicPr>
-            <a:picLocks noChangeAspect="1"/>
-          </p:cNvPicPr>
-          <p:nvPr/>
-        </p:nvPicPr>
-        <p:blipFill>
-          <a:blip r:embed="rId5"/>
-          <a:stretch>
-            <a:fillRect/>
-          </a:stretch>
-        </p:blipFill>
-        <p:spPr>
-          <a:xfrm>
-            <a:off x="4479654" y="1880968"/>
-            <a:ext cx="4440612" cy="1275866"/>
           </a:xfrm>
           <a:prstGeom prst="rect">
             <a:avLst/>
@@ -12118,13 +12323,6 @@
   <p:clrMapOvr>
     <a:masterClrMapping/>
   </p:clrMapOvr>
-  <p:timing>
-    <p:tnLst>
-      <p:par>
-        <p:cTn id="1" dur="indefinite" restart="never" nodeType="tmRoot"/>
-      </p:par>
-    </p:tnLst>
-  </p:timing>
 </p:sld>
 </file>
 
